--- a/_PowerPoints/2nd Semester/Unit 9 Logarithms/Algebra_4_Day_073 7.3 Logarithmic Functions as Inverse 7.4 Properties of Logs.pptx
+++ b/_PowerPoints/2nd Semester/Unit 9 Logarithms/Algebra_4_Day_073 7.3 Logarithmic Functions as Inverse 7.4 Properties of Logs.pptx
@@ -5,17 +5,19 @@
     <p:sldMasterId id="2147483648" r:id="rId1"/>
   </p:sldMasterIdLst>
   <p:sldIdLst>
-    <p:sldId id="256" r:id="rId2"/>
-    <p:sldId id="348" r:id="rId3"/>
-    <p:sldId id="324" r:id="rId4"/>
-    <p:sldId id="344" r:id="rId5"/>
-    <p:sldId id="335" r:id="rId6"/>
-    <p:sldId id="347" r:id="rId7"/>
-    <p:sldId id="349" r:id="rId8"/>
-    <p:sldId id="332" r:id="rId9"/>
-    <p:sldId id="333" r:id="rId10"/>
-    <p:sldId id="334" r:id="rId11"/>
-    <p:sldId id="336" r:id="rId12"/>
+    <p:sldId id="350" r:id="rId2"/>
+    <p:sldId id="351" r:id="rId3"/>
+    <p:sldId id="256" r:id="rId4"/>
+    <p:sldId id="348" r:id="rId5"/>
+    <p:sldId id="324" r:id="rId6"/>
+    <p:sldId id="344" r:id="rId7"/>
+    <p:sldId id="335" r:id="rId8"/>
+    <p:sldId id="347" r:id="rId9"/>
+    <p:sldId id="349" r:id="rId10"/>
+    <p:sldId id="332" r:id="rId11"/>
+    <p:sldId id="333" r:id="rId12"/>
+    <p:sldId id="334" r:id="rId13"/>
+    <p:sldId id="336" r:id="rId14"/>
   </p:sldIdLst>
   <p:sldSz cx="12192000" cy="6858000"/>
   <p:notesSz cx="7010400" cy="9296400"/>
@@ -292,7 +294,7 @@
             <a:fld id="{87DE6118-2437-4B30-8E3C-4D2BE6020583}" type="datetimeFigureOut">
               <a:rPr lang="en-US" dirty="0"/>
               <a:pPr/>
-              <a:t>4/17/2018</a:t>
+              <a:t>4/24/2018</a:t>
             </a:fld>
             <a:endParaRPr lang="en-US" dirty="0"/>
           </a:p>
@@ -618,7 +620,7 @@
           <a:p>
             <a:fld id="{87DE6118-2437-4B30-8E3C-4D2BE6020583}" type="datetimeFigureOut">
               <a:rPr lang="en-US" dirty="0"/>
-              <a:t>4/17/2018</a:t>
+              <a:t>4/24/2018</a:t>
             </a:fld>
             <a:endParaRPr lang="en-US" dirty="0"/>
           </a:p>
@@ -793,7 +795,7 @@
           <a:p>
             <a:fld id="{87DE6118-2437-4B30-8E3C-4D2BE6020583}" type="datetimeFigureOut">
               <a:rPr lang="en-US" dirty="0"/>
-              <a:t>4/17/2018</a:t>
+              <a:t>4/24/2018</a:t>
             </a:fld>
             <a:endParaRPr lang="en-US" dirty="0"/>
           </a:p>
@@ -958,7 +960,7 @@
           <a:p>
             <a:fld id="{87DE6118-2437-4B30-8E3C-4D2BE6020583}" type="datetimeFigureOut">
               <a:rPr lang="en-US" dirty="0"/>
-              <a:t>4/17/2018</a:t>
+              <a:t>4/24/2018</a:t>
             </a:fld>
             <a:endParaRPr lang="en-US" dirty="0"/>
           </a:p>
@@ -1231,7 +1233,7 @@
             <a:fld id="{87DE6118-2437-4B30-8E3C-4D2BE6020583}" type="datetimeFigureOut">
               <a:rPr lang="en-US" dirty="0"/>
               <a:pPr/>
-              <a:t>4/17/2018</a:t>
+              <a:t>4/24/2018</a:t>
             </a:fld>
             <a:endParaRPr lang="en-US" dirty="0"/>
           </a:p>
@@ -1621,7 +1623,7 @@
           <a:p>
             <a:fld id="{87DE6118-2437-4B30-8E3C-4D2BE6020583}" type="datetimeFigureOut">
               <a:rPr lang="en-US" dirty="0"/>
-              <a:t>4/17/2018</a:t>
+              <a:t>4/24/2018</a:t>
             </a:fld>
             <a:endParaRPr lang="en-US" dirty="0"/>
           </a:p>
@@ -2093,7 +2095,7 @@
           <a:p>
             <a:fld id="{87DE6118-2437-4B30-8E3C-4D2BE6020583}" type="datetimeFigureOut">
               <a:rPr lang="en-US" dirty="0"/>
-              <a:t>4/17/2018</a:t>
+              <a:t>4/24/2018</a:t>
             </a:fld>
             <a:endParaRPr lang="en-US" dirty="0"/>
           </a:p>
@@ -2206,7 +2208,7 @@
           <a:p>
             <a:fld id="{87DE6118-2437-4B30-8E3C-4D2BE6020583}" type="datetimeFigureOut">
               <a:rPr lang="en-US" dirty="0"/>
-              <a:t>4/17/2018</a:t>
+              <a:t>4/24/2018</a:t>
             </a:fld>
             <a:endParaRPr lang="en-US" dirty="0"/>
           </a:p>
@@ -2296,7 +2298,7 @@
           <a:p>
             <a:fld id="{87DE6118-2437-4B30-8E3C-4D2BE6020583}" type="datetimeFigureOut">
               <a:rPr lang="en-US" dirty="0"/>
-              <a:t>4/17/2018</a:t>
+              <a:t>4/24/2018</a:t>
             </a:fld>
             <a:endParaRPr lang="en-US" dirty="0"/>
           </a:p>
@@ -2638,7 +2640,7 @@
             <a:fld id="{87DE6118-2437-4B30-8E3C-4D2BE6020583}" type="datetimeFigureOut">
               <a:rPr lang="en-US" dirty="0"/>
               <a:pPr/>
-              <a:t>4/17/2018</a:t>
+              <a:t>4/24/2018</a:t>
             </a:fld>
             <a:endParaRPr lang="en-US" dirty="0"/>
           </a:p>
@@ -3023,7 +3025,7 @@
             <a:fld id="{87DE6118-2437-4B30-8E3C-4D2BE6020583}" type="datetimeFigureOut">
               <a:rPr lang="en-US" dirty="0"/>
               <a:pPr/>
-              <a:t>4/17/2018</a:t>
+              <a:t>4/24/2018</a:t>
             </a:fld>
             <a:endParaRPr lang="en-US" dirty="0"/>
           </a:p>
@@ -3298,7 +3300,7 @@
             <a:fld id="{87DE6118-2437-4B30-8E3C-4D2BE6020583}" type="datetimeFigureOut">
               <a:rPr lang="en-US" dirty="0"/>
               <a:pPr/>
-              <a:t>4/17/2018</a:t>
+              <a:t>4/24/2018</a:t>
             </a:fld>
             <a:endParaRPr lang="en-US" dirty="0"/>
           </a:p>
@@ -3813,17 +3815,23 @@
             <a:spLocks noGrp="1"/>
           </p:cNvSpPr>
           <p:nvPr>
-            <p:ph type="ctrTitle"/>
+            <p:ph type="title"/>
           </p:nvPr>
         </p:nvSpPr>
         <p:spPr/>
         <p:txBody>
-          <a:bodyPr/>
+          <a:bodyPr>
+            <a:normAutofit/>
+          </a:bodyPr>
           <a:lstStyle/>
           <a:p>
             <a:r>
               <a:rPr lang="en-US" dirty="0" smtClean="0"/>
-              <a:t>Algebra 4</a:t>
+              <a:t>Bell Work: Is the following exponential growth or decay</a:t>
+            </a:r>
+            <a:r>
+              <a:rPr lang="en-US" dirty="0" smtClean="0"/>
+              <a:t>? </a:t>
             </a:r>
             <a:endParaRPr lang="en-US" dirty="0"/>
           </a:p>
@@ -3831,35 +3839,301 @@
       </p:sp>
       <p:sp>
         <p:nvSpPr>
-          <p:cNvPr id="3" name="Subtitle 2"/>
+          <p:cNvPr id="3" name="Content Placeholder 2"/>
           <p:cNvSpPr>
             <a:spLocks noGrp="1"/>
           </p:cNvSpPr>
           <p:nvPr>
-            <p:ph type="subTitle" idx="1"/>
+            <p:ph idx="1"/>
           </p:nvPr>
         </p:nvSpPr>
-        <p:spPr/>
+        <p:spPr>
+          <a:xfrm>
+            <a:off x="1371600" y="2843560"/>
+            <a:ext cx="9601200" cy="4014439"/>
+          </a:xfrm>
+        </p:spPr>
         <p:txBody>
-          <a:bodyPr/>
+          <a:bodyPr>
+            <a:normAutofit/>
+          </a:bodyPr>
           <a:lstStyle/>
           <a:p>
-            <a:r>
-              <a:rPr lang="en-US" smtClean="0"/>
-              <a:t>Day </a:t>
-            </a:r>
-            <a:r>
-              <a:rPr lang="en-US" smtClean="0"/>
-              <a:t>73</a:t>
-            </a:r>
+            <a:pPr marL="530352" lvl="1" indent="0">
+              <a:buNone/>
+            </a:pPr>
+            <a:endParaRPr lang="en-US" sz="3400" dirty="0" smtClean="0"/>
+          </a:p>
+          <a:p>
+            <a:pPr marL="530352" lvl="1" indent="0">
+              <a:buNone/>
+            </a:pPr>
+            <a:endParaRPr lang="en-US" dirty="0"/>
+          </a:p>
+          <a:p>
+            <a:pPr marL="530352" lvl="1" indent="0">
+              <a:buNone/>
+            </a:pPr>
             <a:endParaRPr lang="en-US" dirty="0"/>
           </a:p>
         </p:txBody>
       </p:sp>
+      <mc:AlternateContent xmlns:mc="http://schemas.openxmlformats.org/markup-compatibility/2006" xmlns:a14="http://schemas.microsoft.com/office/drawing/2010/main">
+        <mc:Choice Requires="a14">
+          <p:sp>
+            <p:nvSpPr>
+              <p:cNvPr id="4" name="TextBox 3"/>
+              <p:cNvSpPr txBox="1"/>
+              <p:nvPr/>
+            </p:nvSpPr>
+            <p:spPr>
+              <a:xfrm>
+                <a:off x="1371600" y="1731363"/>
+                <a:ext cx="2315699" cy="1846659"/>
+              </a:xfrm>
+              <a:prstGeom prst="rect">
+                <a:avLst/>
+              </a:prstGeom>
+              <a:noFill/>
+            </p:spPr>
+            <p:txBody>
+              <a:bodyPr wrap="none" lIns="0" tIns="0" rIns="0" bIns="0" rtlCol="0">
+                <a:spAutoFit/>
+              </a:bodyPr>
+              <a:lstStyle/>
+              <a:p>
+                <a:endParaRPr lang="en-US" sz="4000" b="0" i="1" dirty="0" smtClean="0">
+                  <a:latin typeface="Cambria Math" panose="02040503050406030204" pitchFamily="18" charset="0"/>
+                </a:endParaRPr>
+              </a:p>
+              <a:p>
+                <a:endParaRPr lang="en-US" sz="4000" i="1" dirty="0">
+                  <a:latin typeface="Cambria Math" panose="02040503050406030204" pitchFamily="18" charset="0"/>
+                </a:endParaRPr>
+              </a:p>
+              <a:p>
+                <a:pPr/>
+                <a14:m>
+                  <m:oMathPara xmlns:m="http://schemas.openxmlformats.org/officeDocument/2006/math">
+                    <m:oMathParaPr>
+                      <m:jc m:val="centerGroup"/>
+                    </m:oMathParaPr>
+                    <m:oMath xmlns:m="http://schemas.openxmlformats.org/officeDocument/2006/math">
+                      <m:r>
+                        <a:rPr lang="en-US" sz="4000" b="0" i="1" smtClean="0">
+                          <a:latin typeface="Cambria Math" panose="02040503050406030204" pitchFamily="18" charset="0"/>
+                        </a:rPr>
+                        <m:t>𝑦</m:t>
+                      </m:r>
+                      <m:r>
+                        <a:rPr lang="en-US" sz="4000" b="0" i="1" smtClean="0">
+                          <a:latin typeface="Cambria Math" panose="02040503050406030204" pitchFamily="18" charset="0"/>
+                        </a:rPr>
+                        <m:t>= </m:t>
+                      </m:r>
+                      <m:sSup>
+                        <m:sSupPr>
+                          <m:ctrlPr>
+                            <a:rPr lang="en-US" sz="4000" b="0" i="1" smtClean="0">
+                              <a:latin typeface="Cambria Math" panose="02040503050406030204" pitchFamily="18" charset="0"/>
+                            </a:rPr>
+                          </m:ctrlPr>
+                        </m:sSupPr>
+                        <m:e>
+                          <m:r>
+                            <a:rPr lang="en-US" sz="4000" b="0" i="1" smtClean="0">
+                              <a:latin typeface="Cambria Math" panose="02040503050406030204" pitchFamily="18" charset="0"/>
+                            </a:rPr>
+                            <m:t>2</m:t>
+                          </m:r>
+                        </m:e>
+                        <m:sup>
+                          <m:r>
+                            <a:rPr lang="en-US" sz="4000" b="0" i="1" smtClean="0">
+                              <a:latin typeface="Cambria Math" panose="02040503050406030204" pitchFamily="18" charset="0"/>
+                            </a:rPr>
+                            <m:t>𝑥</m:t>
+                          </m:r>
+                          <m:r>
+                            <a:rPr lang="en-US" sz="4000" b="0" i="1" smtClean="0">
+                              <a:latin typeface="Cambria Math" panose="02040503050406030204" pitchFamily="18" charset="0"/>
+                            </a:rPr>
+                            <m:t>−4</m:t>
+                          </m:r>
+                        </m:sup>
+                      </m:sSup>
+                    </m:oMath>
+                  </m:oMathPara>
+                </a14:m>
+                <a:endParaRPr lang="en-US" sz="4000" dirty="0"/>
+              </a:p>
+            </p:txBody>
+          </p:sp>
+        </mc:Choice>
+        <mc:Fallback xmlns="">
+          <p:sp>
+            <p:nvSpPr>
+              <p:cNvPr id="4" name="TextBox 3"/>
+              <p:cNvSpPr txBox="1">
+                <a:spLocks noRot="1" noChangeAspect="1" noMove="1" noResize="1" noEditPoints="1" noAdjustHandles="1" noChangeArrowheads="1" noChangeShapeType="1" noTextEdit="1"/>
+              </p:cNvSpPr>
+              <p:nvPr/>
+            </p:nvSpPr>
+            <p:spPr>
+              <a:xfrm>
+                <a:off x="1371600" y="1731363"/>
+                <a:ext cx="2315699" cy="1846659"/>
+              </a:xfrm>
+              <a:prstGeom prst="rect">
+                <a:avLst/>
+              </a:prstGeom>
+              <a:blipFill rotWithShape="0">
+                <a:blip r:embed="rId2"/>
+                <a:stretch>
+                  <a:fillRect/>
+                </a:stretch>
+              </a:blipFill>
+            </p:spPr>
+            <p:txBody>
+              <a:bodyPr/>
+              <a:lstStyle/>
+              <a:p>
+                <a:r>
+                  <a:rPr lang="en-US">
+                    <a:noFill/>
+                  </a:rPr>
+                  <a:t> </a:t>
+                </a:r>
+              </a:p>
+            </p:txBody>
+          </p:sp>
+        </mc:Fallback>
+      </mc:AlternateContent>
+      <mc:AlternateContent xmlns:mc="http://schemas.openxmlformats.org/markup-compatibility/2006" xmlns:a14="http://schemas.microsoft.com/office/drawing/2010/main">
+        <mc:Choice Requires="a14">
+          <p:sp>
+            <p:nvSpPr>
+              <p:cNvPr id="5" name="TextBox 4"/>
+              <p:cNvSpPr txBox="1"/>
+              <p:nvPr/>
+            </p:nvSpPr>
+            <p:spPr>
+              <a:xfrm>
+                <a:off x="1371600" y="4294681"/>
+                <a:ext cx="3010055" cy="615553"/>
+              </a:xfrm>
+              <a:prstGeom prst="rect">
+                <a:avLst/>
+              </a:prstGeom>
+              <a:noFill/>
+            </p:spPr>
+            <p:txBody>
+              <a:bodyPr wrap="none" lIns="0" tIns="0" rIns="0" bIns="0" rtlCol="0">
+                <a:spAutoFit/>
+              </a:bodyPr>
+              <a:lstStyle/>
+              <a:p>
+                <a:pPr/>
+                <a14:m>
+                  <m:oMathPara xmlns:m="http://schemas.openxmlformats.org/officeDocument/2006/math">
+                    <m:oMathParaPr>
+                      <m:jc m:val="centerGroup"/>
+                    </m:oMathParaPr>
+                    <m:oMath xmlns:m="http://schemas.openxmlformats.org/officeDocument/2006/math">
+                      <m:r>
+                        <a:rPr lang="en-US" sz="4000" b="0" i="1" smtClean="0">
+                          <a:latin typeface="Cambria Math" panose="02040503050406030204" pitchFamily="18" charset="0"/>
+                        </a:rPr>
+                        <m:t>𝑦</m:t>
+                      </m:r>
+                      <m:r>
+                        <a:rPr lang="en-US" sz="4000" b="0" i="1" smtClean="0">
+                          <a:latin typeface="Cambria Math" panose="02040503050406030204" pitchFamily="18" charset="0"/>
+                        </a:rPr>
+                        <m:t>=0.</m:t>
+                      </m:r>
+                      <m:sSup>
+                        <m:sSupPr>
+                          <m:ctrlPr>
+                            <a:rPr lang="en-US" sz="4000" b="0" i="1" smtClean="0">
+                              <a:latin typeface="Cambria Math" panose="02040503050406030204" pitchFamily="18" charset="0"/>
+                            </a:rPr>
+                          </m:ctrlPr>
+                        </m:sSupPr>
+                        <m:e>
+                          <m:r>
+                            <a:rPr lang="en-US" sz="4000" b="0" i="1" smtClean="0">
+                              <a:latin typeface="Cambria Math" panose="02040503050406030204" pitchFamily="18" charset="0"/>
+                            </a:rPr>
+                            <m:t>3</m:t>
+                          </m:r>
+                        </m:e>
+                        <m:sup>
+                          <m:r>
+                            <a:rPr lang="en-US" sz="4000" b="0" i="1" smtClean="0">
+                              <a:latin typeface="Cambria Math" panose="02040503050406030204" pitchFamily="18" charset="0"/>
+                            </a:rPr>
+                            <m:t>𝑥</m:t>
+                          </m:r>
+                        </m:sup>
+                      </m:sSup>
+                      <m:r>
+                        <a:rPr lang="en-US" sz="4000" b="0" i="0" smtClean="0">
+                          <a:latin typeface="Cambria Math" panose="02040503050406030204" pitchFamily="18" charset="0"/>
+                        </a:rPr>
+                        <m:t>+4</m:t>
+                      </m:r>
+                    </m:oMath>
+                  </m:oMathPara>
+                </a14:m>
+                <a:endParaRPr lang="en-US" sz="4000" dirty="0"/>
+              </a:p>
+            </p:txBody>
+          </p:sp>
+        </mc:Choice>
+        <mc:Fallback xmlns="">
+          <p:sp>
+            <p:nvSpPr>
+              <p:cNvPr id="5" name="TextBox 4"/>
+              <p:cNvSpPr txBox="1">
+                <a:spLocks noRot="1" noChangeAspect="1" noMove="1" noResize="1" noEditPoints="1" noAdjustHandles="1" noChangeArrowheads="1" noChangeShapeType="1" noTextEdit="1"/>
+              </p:cNvSpPr>
+              <p:nvPr/>
+            </p:nvSpPr>
+            <p:spPr>
+              <a:xfrm>
+                <a:off x="1371600" y="4294681"/>
+                <a:ext cx="3010055" cy="615553"/>
+              </a:xfrm>
+              <a:prstGeom prst="rect">
+                <a:avLst/>
+              </a:prstGeom>
+              <a:blipFill rotWithShape="0">
+                <a:blip r:embed="rId3"/>
+                <a:stretch>
+                  <a:fillRect/>
+                </a:stretch>
+              </a:blipFill>
+            </p:spPr>
+            <p:txBody>
+              <a:bodyPr/>
+              <a:lstStyle/>
+              <a:p>
+                <a:r>
+                  <a:rPr lang="en-US">
+                    <a:noFill/>
+                  </a:rPr>
+                  <a:t> </a:t>
+                </a:r>
+              </a:p>
+            </p:txBody>
+          </p:sp>
+        </mc:Fallback>
+      </mc:AlternateContent>
     </p:spTree>
     <p:extLst>
       <p:ext uri="{BB962C8B-B14F-4D97-AF65-F5344CB8AC3E}">
-        <p14:creationId xmlns:p14="http://schemas.microsoft.com/office/powerpoint/2010/main" val="1580792776"/>
+        <p14:creationId xmlns:p14="http://schemas.microsoft.com/office/powerpoint/2010/main" val="2672154637"/>
       </p:ext>
     </p:extLst>
   </p:cSld>
@@ -3909,8 +4183,12 @@
           <a:lstStyle/>
           <a:p>
             <a:r>
-              <a:rPr lang="en-US" dirty="0" smtClean="0"/>
-              <a:t>Examples</a:t>
+              <a:rPr lang="en-US" b="1" u="sng" dirty="0" smtClean="0"/>
+              <a:t>Properties </a:t>
+            </a:r>
+            <a:r>
+              <a:rPr lang="en-US" b="1" u="sng" dirty="0"/>
+              <a:t>of Logarithms </a:t>
             </a:r>
             <a:endParaRPr lang="en-US" dirty="0"/>
           </a:p>
@@ -3918,6 +4196,1839 @@
       </p:sp>
       <mc:AlternateContent xmlns:mc="http://schemas.openxmlformats.org/markup-compatibility/2006" xmlns:a14="http://schemas.microsoft.com/office/drawing/2010/main">
         <mc:Choice Requires="a14">
+          <p:sp>
+            <p:nvSpPr>
+              <p:cNvPr id="3" name="Content Placeholder 2"/>
+              <p:cNvSpPr>
+                <a:spLocks noGrp="1"/>
+              </p:cNvSpPr>
+              <p:nvPr>
+                <p:ph idx="1"/>
+              </p:nvPr>
+            </p:nvSpPr>
+            <p:spPr>
+              <a:xfrm>
+                <a:off x="764498" y="1693889"/>
+                <a:ext cx="10208302" cy="5036695"/>
+              </a:xfrm>
+            </p:spPr>
+            <p:txBody>
+              <a:bodyPr>
+                <a:normAutofit/>
+              </a:bodyPr>
+              <a:lstStyle/>
+              <a:p>
+                <a:pPr marL="0" indent="0">
+                  <a:buNone/>
+                </a:pPr>
+                <a14:m>
+                  <m:oMath xmlns:m="http://schemas.openxmlformats.org/officeDocument/2006/math">
+                    <m:func>
+                      <m:funcPr>
+                        <m:ctrlPr>
+                          <a:rPr lang="en-US" sz="4000" i="1" smtClean="0">
+                            <a:latin typeface="Cambria Math" panose="02040503050406030204" pitchFamily="18" charset="0"/>
+                          </a:rPr>
+                        </m:ctrlPr>
+                      </m:funcPr>
+                      <m:fName>
+                        <m:sSub>
+                          <m:sSubPr>
+                            <m:ctrlPr>
+                              <a:rPr lang="en-US" sz="4000" i="1" smtClean="0">
+                                <a:latin typeface="Cambria Math" panose="02040503050406030204" pitchFamily="18" charset="0"/>
+                              </a:rPr>
+                            </m:ctrlPr>
+                          </m:sSubPr>
+                          <m:e>
+                            <m:r>
+                              <m:rPr>
+                                <m:sty m:val="p"/>
+                              </m:rPr>
+                              <a:rPr lang="en-US" sz="4000">
+                                <a:latin typeface="Cambria Math" panose="02040503050406030204" pitchFamily="18" charset="0"/>
+                              </a:rPr>
+                              <m:t>log</m:t>
+                            </m:r>
+                          </m:e>
+                          <m:sub>
+                            <m:r>
+                              <a:rPr lang="en-US" sz="4000" i="1">
+                                <a:latin typeface="Cambria Math" panose="02040503050406030204" pitchFamily="18" charset="0"/>
+                              </a:rPr>
+                              <m:t>𝑎</m:t>
+                            </m:r>
+                          </m:sub>
+                        </m:sSub>
+                      </m:fName>
+                      <m:e>
+                        <m:r>
+                          <a:rPr lang="en-US" sz="4000" i="1">
+                            <a:latin typeface="Cambria Math" panose="02040503050406030204" pitchFamily="18" charset="0"/>
+                          </a:rPr>
+                          <m:t>1=0</m:t>
+                        </m:r>
+                      </m:e>
+                    </m:func>
+                  </m:oMath>
+                </a14:m>
+                <a:r>
+                  <a:rPr lang="en-US" sz="4000" dirty="0"/>
+                  <a:t>        </a:t>
+                </a:r>
+                <a:r>
+                  <a:rPr lang="en-US" sz="4000" dirty="0">
+                    <a:sym typeface="Wingdings" panose="05000000000000000000" pitchFamily="2" charset="2"/>
+                  </a:rPr>
+                  <a:t></a:t>
+                </a:r>
+                <a:r>
+                  <a:rPr lang="en-US" sz="4000" dirty="0"/>
+                  <a:t> </a:t>
+                </a:r>
+                <a14:m>
+                  <m:oMath xmlns:m="http://schemas.openxmlformats.org/officeDocument/2006/math">
+                    <m:sSup>
+                      <m:sSupPr>
+                        <m:ctrlPr>
+                          <a:rPr lang="en-US" sz="4000" i="1">
+                            <a:latin typeface="Cambria Math" panose="02040503050406030204" pitchFamily="18" charset="0"/>
+                          </a:rPr>
+                        </m:ctrlPr>
+                      </m:sSupPr>
+                      <m:e>
+                        <m:r>
+                          <a:rPr lang="en-US" sz="4000" i="1">
+                            <a:latin typeface="Cambria Math" panose="02040503050406030204" pitchFamily="18" charset="0"/>
+                          </a:rPr>
+                          <m:t>𝑎</m:t>
+                        </m:r>
+                      </m:e>
+                      <m:sup>
+                        <m:r>
+                          <a:rPr lang="en-US" sz="4000" i="1">
+                            <a:latin typeface="Cambria Math" panose="02040503050406030204" pitchFamily="18" charset="0"/>
+                          </a:rPr>
+                          <m:t>0</m:t>
+                        </m:r>
+                      </m:sup>
+                    </m:sSup>
+                    <m:r>
+                      <a:rPr lang="en-US" sz="4000" i="1">
+                        <a:latin typeface="Cambria Math" panose="02040503050406030204" pitchFamily="18" charset="0"/>
+                      </a:rPr>
+                      <m:t>=1</m:t>
+                    </m:r>
+                  </m:oMath>
+                </a14:m>
+                <a:endParaRPr lang="en-US" sz="4000" dirty="0"/>
+              </a:p>
+              <a:p>
+                <a:pPr marL="0" indent="0">
+                  <a:buNone/>
+                </a:pPr>
+                <a:r>
+                  <a:rPr lang="en-US" sz="4000" dirty="0"/>
+                  <a:t> </a:t>
+                </a:r>
+              </a:p>
+              <a:p>
+                <a:pPr marL="0" indent="0">
+                  <a:buNone/>
+                </a:pPr>
+                <a14:m>
+                  <m:oMath xmlns:m="http://schemas.openxmlformats.org/officeDocument/2006/math">
+                    <m:func>
+                      <m:funcPr>
+                        <m:ctrlPr>
+                          <a:rPr lang="en-US" sz="4000" i="1">
+                            <a:latin typeface="Cambria Math" panose="02040503050406030204" pitchFamily="18" charset="0"/>
+                          </a:rPr>
+                        </m:ctrlPr>
+                      </m:funcPr>
+                      <m:fName>
+                        <m:sSub>
+                          <m:sSubPr>
+                            <m:ctrlPr>
+                              <a:rPr lang="en-US" sz="4000" i="1">
+                                <a:latin typeface="Cambria Math" panose="02040503050406030204" pitchFamily="18" charset="0"/>
+                              </a:rPr>
+                            </m:ctrlPr>
+                          </m:sSubPr>
+                          <m:e>
+                            <m:r>
+                              <m:rPr>
+                                <m:sty m:val="p"/>
+                              </m:rPr>
+                              <a:rPr lang="en-US" sz="4000">
+                                <a:latin typeface="Cambria Math" panose="02040503050406030204" pitchFamily="18" charset="0"/>
+                              </a:rPr>
+                              <m:t>log</m:t>
+                            </m:r>
+                          </m:e>
+                          <m:sub>
+                            <m:r>
+                              <a:rPr lang="en-US" sz="4000" i="1">
+                                <a:latin typeface="Cambria Math" panose="02040503050406030204" pitchFamily="18" charset="0"/>
+                              </a:rPr>
+                              <m:t>𝑎</m:t>
+                            </m:r>
+                          </m:sub>
+                        </m:sSub>
+                      </m:fName>
+                      <m:e>
+                        <m:r>
+                          <a:rPr lang="en-US" sz="4000" i="1">
+                            <a:latin typeface="Cambria Math" panose="02040503050406030204" pitchFamily="18" charset="0"/>
+                          </a:rPr>
+                          <m:t>𝑎</m:t>
+                        </m:r>
+                        <m:r>
+                          <a:rPr lang="en-US" sz="4000" i="1">
+                            <a:latin typeface="Cambria Math" panose="02040503050406030204" pitchFamily="18" charset="0"/>
+                          </a:rPr>
+                          <m:t>=1</m:t>
+                        </m:r>
+                      </m:e>
+                    </m:func>
+                  </m:oMath>
+                </a14:m>
+                <a:r>
+                  <a:rPr lang="en-US" sz="4000" dirty="0"/>
+                  <a:t>        </a:t>
+                </a:r>
+                <a:r>
+                  <a:rPr lang="en-US" sz="4000" dirty="0">
+                    <a:sym typeface="Wingdings" panose="05000000000000000000" pitchFamily="2" charset="2"/>
+                  </a:rPr>
+                  <a:t></a:t>
+                </a:r>
+                <a:r>
+                  <a:rPr lang="en-US" sz="4000" dirty="0"/>
+                  <a:t> </a:t>
+                </a:r>
+                <a14:m>
+                  <m:oMath xmlns:m="http://schemas.openxmlformats.org/officeDocument/2006/math">
+                    <m:sSup>
+                      <m:sSupPr>
+                        <m:ctrlPr>
+                          <a:rPr lang="en-US" sz="4000" i="1">
+                            <a:latin typeface="Cambria Math" panose="02040503050406030204" pitchFamily="18" charset="0"/>
+                          </a:rPr>
+                        </m:ctrlPr>
+                      </m:sSupPr>
+                      <m:e>
+                        <m:r>
+                          <a:rPr lang="en-US" sz="4000" i="1">
+                            <a:latin typeface="Cambria Math" panose="02040503050406030204" pitchFamily="18" charset="0"/>
+                          </a:rPr>
+                          <m:t>𝑎</m:t>
+                        </m:r>
+                      </m:e>
+                      <m:sup>
+                        <m:r>
+                          <a:rPr lang="en-US" sz="4000" i="1">
+                            <a:latin typeface="Cambria Math" panose="02040503050406030204" pitchFamily="18" charset="0"/>
+                          </a:rPr>
+                          <m:t>1</m:t>
+                        </m:r>
+                      </m:sup>
+                    </m:sSup>
+                    <m:r>
+                      <a:rPr lang="en-US" sz="4000" i="1">
+                        <a:latin typeface="Cambria Math" panose="02040503050406030204" pitchFamily="18" charset="0"/>
+                      </a:rPr>
+                      <m:t>=</m:t>
+                    </m:r>
+                    <m:r>
+                      <a:rPr lang="en-US" sz="4000" i="1">
+                        <a:latin typeface="Cambria Math" panose="02040503050406030204" pitchFamily="18" charset="0"/>
+                      </a:rPr>
+                      <m:t>𝑎</m:t>
+                    </m:r>
+                  </m:oMath>
+                </a14:m>
+                <a:endParaRPr lang="en-US" sz="4000" dirty="0"/>
+              </a:p>
+              <a:p>
+                <a:pPr marL="0" indent="0">
+                  <a:buNone/>
+                </a:pPr>
+                <a:r>
+                  <a:rPr lang="en-US" sz="4000" dirty="0"/>
+                  <a:t> </a:t>
+                </a:r>
+              </a:p>
+              <a:p>
+                <a:pPr marL="0" indent="0">
+                  <a:buNone/>
+                </a:pPr>
+                <a14:m>
+                  <m:oMath xmlns:m="http://schemas.openxmlformats.org/officeDocument/2006/math">
+                    <m:func>
+                      <m:funcPr>
+                        <m:ctrlPr>
+                          <a:rPr lang="en-US" sz="4000" i="1">
+                            <a:latin typeface="Cambria Math" panose="02040503050406030204" pitchFamily="18" charset="0"/>
+                          </a:rPr>
+                        </m:ctrlPr>
+                      </m:funcPr>
+                      <m:fName>
+                        <m:sSub>
+                          <m:sSubPr>
+                            <m:ctrlPr>
+                              <a:rPr lang="en-US" sz="4000" i="1">
+                                <a:latin typeface="Cambria Math" panose="02040503050406030204" pitchFamily="18" charset="0"/>
+                              </a:rPr>
+                            </m:ctrlPr>
+                          </m:sSubPr>
+                          <m:e>
+                            <m:r>
+                              <m:rPr>
+                                <m:sty m:val="p"/>
+                              </m:rPr>
+                              <a:rPr lang="en-US" sz="4000">
+                                <a:latin typeface="Cambria Math" panose="02040503050406030204" pitchFamily="18" charset="0"/>
+                              </a:rPr>
+                              <m:t>log</m:t>
+                            </m:r>
+                          </m:e>
+                          <m:sub>
+                            <m:r>
+                              <a:rPr lang="en-US" sz="4000" i="1">
+                                <a:latin typeface="Cambria Math" panose="02040503050406030204" pitchFamily="18" charset="0"/>
+                              </a:rPr>
+                              <m:t>𝑎</m:t>
+                            </m:r>
+                          </m:sub>
+                        </m:sSub>
+                      </m:fName>
+                      <m:e>
+                        <m:sSup>
+                          <m:sSupPr>
+                            <m:ctrlPr>
+                              <a:rPr lang="en-US" sz="4000" i="1">
+                                <a:latin typeface="Cambria Math" panose="02040503050406030204" pitchFamily="18" charset="0"/>
+                              </a:rPr>
+                            </m:ctrlPr>
+                          </m:sSupPr>
+                          <m:e>
+                            <m:r>
+                              <a:rPr lang="en-US" sz="4000" i="1">
+                                <a:latin typeface="Cambria Math" panose="02040503050406030204" pitchFamily="18" charset="0"/>
+                              </a:rPr>
+                              <m:t>𝑎</m:t>
+                            </m:r>
+                          </m:e>
+                          <m:sup>
+                            <m:r>
+                              <a:rPr lang="en-US" sz="4000" i="1">
+                                <a:latin typeface="Cambria Math" panose="02040503050406030204" pitchFamily="18" charset="0"/>
+                              </a:rPr>
+                              <m:t>𝑥</m:t>
+                            </m:r>
+                          </m:sup>
+                        </m:sSup>
+                        <m:r>
+                          <a:rPr lang="en-US" sz="4000" i="1">
+                            <a:latin typeface="Cambria Math" panose="02040503050406030204" pitchFamily="18" charset="0"/>
+                          </a:rPr>
+                          <m:t>=</m:t>
+                        </m:r>
+                        <m:r>
+                          <a:rPr lang="en-US" sz="4000" i="1">
+                            <a:latin typeface="Cambria Math" panose="02040503050406030204" pitchFamily="18" charset="0"/>
+                          </a:rPr>
+                          <m:t>𝑥</m:t>
+                        </m:r>
+                      </m:e>
+                    </m:func>
+                  </m:oMath>
+                </a14:m>
+                <a:r>
+                  <a:rPr lang="en-US" sz="4000" dirty="0"/>
+                  <a:t>      </a:t>
+                </a:r>
+                <a:r>
+                  <a:rPr lang="en-US" sz="4000" dirty="0">
+                    <a:sym typeface="Wingdings" panose="05000000000000000000" pitchFamily="2" charset="2"/>
+                  </a:rPr>
+                  <a:t></a:t>
+                </a:r>
+                <a:r>
+                  <a:rPr lang="en-US" sz="4000" dirty="0"/>
+                  <a:t> </a:t>
+                </a:r>
+                <a14:m>
+                  <m:oMath xmlns:m="http://schemas.openxmlformats.org/officeDocument/2006/math">
+                    <m:sSup>
+                      <m:sSupPr>
+                        <m:ctrlPr>
+                          <a:rPr lang="en-US" sz="4000" i="1">
+                            <a:latin typeface="Cambria Math" panose="02040503050406030204" pitchFamily="18" charset="0"/>
+                          </a:rPr>
+                        </m:ctrlPr>
+                      </m:sSupPr>
+                      <m:e>
+                        <m:r>
+                          <a:rPr lang="en-US" sz="4000" i="1">
+                            <a:latin typeface="Cambria Math" panose="02040503050406030204" pitchFamily="18" charset="0"/>
+                          </a:rPr>
+                          <m:t>𝑎</m:t>
+                        </m:r>
+                      </m:e>
+                      <m:sup>
+                        <m:func>
+                          <m:funcPr>
+                            <m:ctrlPr>
+                              <a:rPr lang="en-US" sz="4000" i="1">
+                                <a:latin typeface="Cambria Math" panose="02040503050406030204" pitchFamily="18" charset="0"/>
+                              </a:rPr>
+                            </m:ctrlPr>
+                          </m:funcPr>
+                          <m:fName>
+                            <m:sSub>
+                              <m:sSubPr>
+                                <m:ctrlPr>
+                                  <a:rPr lang="en-US" sz="4000" i="1">
+                                    <a:latin typeface="Cambria Math" panose="02040503050406030204" pitchFamily="18" charset="0"/>
+                                  </a:rPr>
+                                </m:ctrlPr>
+                              </m:sSubPr>
+                              <m:e>
+                                <m:r>
+                                  <m:rPr>
+                                    <m:sty m:val="p"/>
+                                  </m:rPr>
+                                  <a:rPr lang="en-US" sz="4000">
+                                    <a:latin typeface="Cambria Math" panose="02040503050406030204" pitchFamily="18" charset="0"/>
+                                  </a:rPr>
+                                  <m:t>log</m:t>
+                                </m:r>
+                              </m:e>
+                              <m:sub>
+                                <m:r>
+                                  <a:rPr lang="en-US" sz="4000" i="1">
+                                    <a:latin typeface="Cambria Math" panose="02040503050406030204" pitchFamily="18" charset="0"/>
+                                  </a:rPr>
+                                  <m:t>𝑎</m:t>
+                                </m:r>
+                              </m:sub>
+                            </m:sSub>
+                          </m:fName>
+                          <m:e>
+                            <m:r>
+                              <a:rPr lang="en-US" sz="4000" i="1">
+                                <a:latin typeface="Cambria Math" panose="02040503050406030204" pitchFamily="18" charset="0"/>
+                              </a:rPr>
+                              <m:t>𝑥</m:t>
+                            </m:r>
+                          </m:e>
+                        </m:func>
+                      </m:sup>
+                    </m:sSup>
+                    <m:r>
+                      <a:rPr lang="en-US" sz="4000" i="1">
+                        <a:latin typeface="Cambria Math" panose="02040503050406030204" pitchFamily="18" charset="0"/>
+                      </a:rPr>
+                      <m:t>=</m:t>
+                    </m:r>
+                    <m:r>
+                      <a:rPr lang="en-US" sz="4000" i="1">
+                        <a:latin typeface="Cambria Math" panose="02040503050406030204" pitchFamily="18" charset="0"/>
+                      </a:rPr>
+                      <m:t>𝑥</m:t>
+                    </m:r>
+                  </m:oMath>
+                </a14:m>
+                <a:endParaRPr lang="en-US" sz="4000" dirty="0"/>
+              </a:p>
+              <a:p>
+                <a:pPr marL="0" indent="0">
+                  <a:buNone/>
+                </a:pPr>
+                <a:r>
+                  <a:rPr lang="en-US" sz="4000" dirty="0"/>
+                  <a:t> </a:t>
+                </a:r>
+              </a:p>
+              <a:p>
+                <a:pPr marL="0" indent="0">
+                  <a:buNone/>
+                </a:pPr>
+                <a14:m>
+                  <m:oMathPara xmlns:m="http://schemas.openxmlformats.org/officeDocument/2006/math">
+                    <m:oMathParaPr>
+                      <m:jc m:val="left"/>
+                    </m:oMathParaPr>
+                    <m:oMath xmlns:m="http://schemas.openxmlformats.org/officeDocument/2006/math">
+                      <m:func>
+                        <m:funcPr>
+                          <m:ctrlPr>
+                            <a:rPr lang="en-US" sz="4000" i="1">
+                              <a:latin typeface="Cambria Math" panose="02040503050406030204" pitchFamily="18" charset="0"/>
+                            </a:rPr>
+                          </m:ctrlPr>
+                        </m:funcPr>
+                        <m:fName>
+                          <m:sSub>
+                            <m:sSubPr>
+                              <m:ctrlPr>
+                                <a:rPr lang="en-US" sz="4000" i="1">
+                                  <a:latin typeface="Cambria Math" panose="02040503050406030204" pitchFamily="18" charset="0"/>
+                                </a:rPr>
+                              </m:ctrlPr>
+                            </m:sSubPr>
+                            <m:e>
+                              <m:r>
+                                <m:rPr>
+                                  <m:sty m:val="p"/>
+                                </m:rPr>
+                                <a:rPr lang="en-US" sz="4000">
+                                  <a:latin typeface="Cambria Math" panose="02040503050406030204" pitchFamily="18" charset="0"/>
+                                </a:rPr>
+                                <m:t>log</m:t>
+                              </m:r>
+                            </m:e>
+                            <m:sub>
+                              <m:r>
+                                <a:rPr lang="en-US" sz="4000" i="1">
+                                  <a:latin typeface="Cambria Math" panose="02040503050406030204" pitchFamily="18" charset="0"/>
+                                </a:rPr>
+                                <m:t>𝑎</m:t>
+                              </m:r>
+                            </m:sub>
+                          </m:sSub>
+                        </m:fName>
+                        <m:e>
+                          <m:r>
+                            <a:rPr lang="en-US" sz="4000" i="1">
+                              <a:latin typeface="Cambria Math" panose="02040503050406030204" pitchFamily="18" charset="0"/>
+                            </a:rPr>
+                            <m:t>𝑥</m:t>
+                          </m:r>
+                          <m:r>
+                            <a:rPr lang="en-US" sz="4000" i="1">
+                              <a:latin typeface="Cambria Math" panose="02040503050406030204" pitchFamily="18" charset="0"/>
+                            </a:rPr>
+                            <m:t>=</m:t>
+                          </m:r>
+                        </m:e>
+                      </m:func>
+                      <m:func>
+                        <m:funcPr>
+                          <m:ctrlPr>
+                            <a:rPr lang="en-US" sz="4000" i="1" smtClean="0">
+                              <a:latin typeface="Cambria Math" panose="02040503050406030204" pitchFamily="18" charset="0"/>
+                            </a:rPr>
+                          </m:ctrlPr>
+                        </m:funcPr>
+                        <m:fName>
+                          <m:sSub>
+                            <m:sSubPr>
+                              <m:ctrlPr>
+                                <a:rPr lang="en-US" sz="4000" i="1">
+                                  <a:latin typeface="Cambria Math" panose="02040503050406030204" pitchFamily="18" charset="0"/>
+                                </a:rPr>
+                              </m:ctrlPr>
+                            </m:sSubPr>
+                            <m:e>
+                              <m:r>
+                                <m:rPr>
+                                  <m:sty m:val="p"/>
+                                </m:rPr>
+                                <a:rPr lang="en-US" sz="4000">
+                                  <a:latin typeface="Cambria Math" panose="02040503050406030204" pitchFamily="18" charset="0"/>
+                                </a:rPr>
+                                <m:t>log</m:t>
+                              </m:r>
+                            </m:e>
+                            <m:sub>
+                              <m:r>
+                                <a:rPr lang="en-US" sz="4000" i="1">
+                                  <a:latin typeface="Cambria Math" panose="02040503050406030204" pitchFamily="18" charset="0"/>
+                                </a:rPr>
+                                <m:t>𝑎</m:t>
+                              </m:r>
+                            </m:sub>
+                          </m:sSub>
+                        </m:fName>
+                        <m:e>
+                          <m:r>
+                            <a:rPr lang="en-US" sz="4000" i="1">
+                              <a:latin typeface="Cambria Math" panose="02040503050406030204" pitchFamily="18" charset="0"/>
+                            </a:rPr>
+                            <m:t>𝑦</m:t>
+                          </m:r>
+                          <m:r>
+                            <a:rPr lang="en-US" sz="4000" i="1">
+                              <a:latin typeface="Cambria Math" panose="02040503050406030204" pitchFamily="18" charset="0"/>
+                            </a:rPr>
+                            <m:t>=</m:t>
+                          </m:r>
+                        </m:e>
+                      </m:func>
+                      <m:r>
+                        <a:rPr lang="en-US" sz="4000" i="1">
+                          <a:latin typeface="Cambria Math" panose="02040503050406030204" pitchFamily="18" charset="0"/>
+                        </a:rPr>
+                        <m:t>&gt;</m:t>
+                      </m:r>
+                      <m:r>
+                        <a:rPr lang="en-US" sz="4000" i="1">
+                          <a:latin typeface="Cambria Math" panose="02040503050406030204" pitchFamily="18" charset="0"/>
+                        </a:rPr>
+                        <m:t>𝑥</m:t>
+                      </m:r>
+                      <m:r>
+                        <a:rPr lang="en-US" sz="4000" i="1">
+                          <a:latin typeface="Cambria Math" panose="02040503050406030204" pitchFamily="18" charset="0"/>
+                        </a:rPr>
+                        <m:t>=</m:t>
+                      </m:r>
+                      <m:r>
+                        <a:rPr lang="en-US" sz="4000" i="1">
+                          <a:latin typeface="Cambria Math" panose="02040503050406030204" pitchFamily="18" charset="0"/>
+                        </a:rPr>
+                        <m:t>𝑦</m:t>
+                      </m:r>
+                    </m:oMath>
+                  </m:oMathPara>
+                </a14:m>
+                <a:endParaRPr lang="en-US" sz="4000" dirty="0"/>
+              </a:p>
+              <a:p>
+                <a:pPr marL="0" indent="0">
+                  <a:buNone/>
+                </a:pPr>
+                <a:endParaRPr lang="en-US" dirty="0"/>
+              </a:p>
+            </p:txBody>
+          </p:sp>
+        </mc:Choice>
+        <mc:Fallback xmlns="">
+          <p:sp>
+            <p:nvSpPr>
+              <p:cNvPr id="3" name="Content Placeholder 2"/>
+              <p:cNvSpPr>
+                <a:spLocks noGrp="1" noRot="1" noChangeAspect="1" noMove="1" noResize="1" noEditPoints="1" noAdjustHandles="1" noChangeArrowheads="1" noChangeShapeType="1" noTextEdit="1"/>
+              </p:cNvSpPr>
+              <p:nvPr>
+                <p:ph idx="1"/>
+              </p:nvPr>
+            </p:nvSpPr>
+            <p:spPr>
+              <a:xfrm>
+                <a:off x="764498" y="1693889"/>
+                <a:ext cx="10208302" cy="5036695"/>
+              </a:xfrm>
+              <a:blipFill rotWithShape="0">
+                <a:blip r:embed="rId2"/>
+                <a:stretch>
+                  <a:fillRect t="-2906"/>
+                </a:stretch>
+              </a:blipFill>
+            </p:spPr>
+            <p:txBody>
+              <a:bodyPr/>
+              <a:lstStyle/>
+              <a:p>
+                <a:r>
+                  <a:rPr lang="en-US">
+                    <a:noFill/>
+                  </a:rPr>
+                  <a:t> </a:t>
+                </a:r>
+              </a:p>
+            </p:txBody>
+          </p:sp>
+        </mc:Fallback>
+      </mc:AlternateContent>
+    </p:spTree>
+    <p:extLst>
+      <p:ext uri="{BB962C8B-B14F-4D97-AF65-F5344CB8AC3E}">
+        <p14:creationId xmlns:p14="http://schemas.microsoft.com/office/powerpoint/2010/main" val="4225393038"/>
+      </p:ext>
+    </p:extLst>
+  </p:cSld>
+  <p:clrMapOvr>
+    <a:masterClrMapping/>
+  </p:clrMapOvr>
+  <p:timing>
+    <p:tnLst>
+      <p:par>
+        <p:cTn id="1" dur="indefinite" restart="never" nodeType="tmRoot"/>
+      </p:par>
+    </p:tnLst>
+  </p:timing>
+</p:sld>
+</file>
+
+<file path=ppt/slides/slide11.xml><?xml version="1.0" encoding="utf-8"?>
+<p:sld xmlns:a="http://schemas.openxmlformats.org/drawingml/2006/main" xmlns:r="http://schemas.openxmlformats.org/officeDocument/2006/relationships" xmlns:p="http://schemas.openxmlformats.org/presentationml/2006/main">
+  <p:cSld>
+    <p:spTree>
+      <p:nvGrpSpPr>
+        <p:cNvPr id="1" name=""/>
+        <p:cNvGrpSpPr/>
+        <p:nvPr/>
+      </p:nvGrpSpPr>
+      <p:grpSpPr>
+        <a:xfrm>
+          <a:off x="0" y="0"/>
+          <a:ext cx="0" cy="0"/>
+          <a:chOff x="0" y="0"/>
+          <a:chExt cx="0" cy="0"/>
+        </a:xfrm>
+      </p:grpSpPr>
+      <p:sp>
+        <p:nvSpPr>
+          <p:cNvPr id="2" name="Title 1"/>
+          <p:cNvSpPr>
+            <a:spLocks noGrp="1"/>
+          </p:cNvSpPr>
+          <p:nvPr>
+            <p:ph type="title"/>
+          </p:nvPr>
+        </p:nvSpPr>
+        <p:spPr/>
+        <p:txBody>
+          <a:bodyPr/>
+          <a:lstStyle/>
+          <a:p>
+            <a:r>
+              <a:rPr lang="en-US" dirty="0" smtClean="0"/>
+              <a:t>More Properties</a:t>
+            </a:r>
+            <a:endParaRPr lang="en-US" dirty="0"/>
+          </a:p>
+        </p:txBody>
+      </p:sp>
+      <mc:AlternateContent xmlns:mc="http://schemas.openxmlformats.org/markup-compatibility/2006">
+        <mc:Choice xmlns:a14="http://schemas.microsoft.com/office/drawing/2010/main" Requires="a14">
+          <p:sp>
+            <p:nvSpPr>
+              <p:cNvPr id="3" name="Content Placeholder 2"/>
+              <p:cNvSpPr>
+                <a:spLocks noGrp="1"/>
+              </p:cNvSpPr>
+              <p:nvPr>
+                <p:ph idx="1"/>
+              </p:nvPr>
+            </p:nvSpPr>
+            <p:spPr>
+              <a:xfrm>
+                <a:off x="779489" y="1469037"/>
+                <a:ext cx="11412511" cy="5276538"/>
+              </a:xfrm>
+            </p:spPr>
+            <p:txBody>
+              <a:bodyPr>
+                <a:normAutofit fontScale="92500"/>
+              </a:bodyPr>
+              <a:lstStyle/>
+              <a:p>
+                <a:pPr marL="0" indent="0">
+                  <a:buNone/>
+                </a:pPr>
+                <a:r>
+                  <a:rPr lang="en-US" sz="3400" b="1" u="sng" dirty="0" smtClean="0"/>
+                  <a:t>Change of Base: (not as important with our calculators)</a:t>
+                </a:r>
+                <a:endParaRPr lang="en-US" sz="3400" dirty="0"/>
+              </a:p>
+              <a:p>
+                <a:pPr marL="0" indent="0">
+                  <a:buNone/>
+                </a:pPr>
+                <a:r>
+                  <a:rPr lang="en-US" sz="3400" b="1" dirty="0"/>
+                  <a:t> </a:t>
+                </a:r>
+                <a:r>
+                  <a:rPr lang="en-US" sz="3400" dirty="0" smtClean="0"/>
+                  <a:t> </a:t>
+                </a:r>
+                <a14:m>
+                  <m:oMath xmlns:m="http://schemas.openxmlformats.org/officeDocument/2006/math">
+                    <m:func>
+                      <m:funcPr>
+                        <m:ctrlPr>
+                          <a:rPr lang="en-US" sz="3400" i="1">
+                            <a:latin typeface="Cambria Math" panose="02040503050406030204" pitchFamily="18" charset="0"/>
+                          </a:rPr>
+                        </m:ctrlPr>
+                      </m:funcPr>
+                      <m:fName>
+                        <m:sSub>
+                          <m:sSubPr>
+                            <m:ctrlPr>
+                              <a:rPr lang="en-US" sz="3400" i="1">
+                                <a:latin typeface="Cambria Math" panose="02040503050406030204" pitchFamily="18" charset="0"/>
+                              </a:rPr>
+                            </m:ctrlPr>
+                          </m:sSubPr>
+                          <m:e>
+                            <m:r>
+                              <m:rPr>
+                                <m:sty m:val="p"/>
+                              </m:rPr>
+                              <a:rPr lang="en-US" sz="3400">
+                                <a:latin typeface="Cambria Math" panose="02040503050406030204" pitchFamily="18" charset="0"/>
+                              </a:rPr>
+                              <m:t>log</m:t>
+                            </m:r>
+                          </m:e>
+                          <m:sub>
+                            <m:r>
+                              <m:rPr>
+                                <m:sty m:val="p"/>
+                              </m:rPr>
+                              <a:rPr lang="en-US" sz="3400">
+                                <a:latin typeface="Cambria Math" panose="02040503050406030204" pitchFamily="18" charset="0"/>
+                              </a:rPr>
+                              <m:t>a</m:t>
+                            </m:r>
+                          </m:sub>
+                        </m:sSub>
+                      </m:fName>
+                      <m:e>
+                        <m:r>
+                          <m:rPr>
+                            <m:sty m:val="p"/>
+                          </m:rPr>
+                          <a:rPr lang="en-US" sz="3400">
+                            <a:latin typeface="Cambria Math" panose="02040503050406030204" pitchFamily="18" charset="0"/>
+                          </a:rPr>
+                          <m:t>x</m:t>
+                        </m:r>
+                      </m:e>
+                    </m:func>
+                    <m:r>
+                      <a:rPr lang="en-US" sz="3400" i="1">
+                        <a:latin typeface="Cambria Math" panose="02040503050406030204" pitchFamily="18" charset="0"/>
+                      </a:rPr>
+                      <m:t>=</m:t>
+                    </m:r>
+                    <m:f>
+                      <m:fPr>
+                        <m:ctrlPr>
+                          <a:rPr lang="en-US" sz="3400" i="1">
+                            <a:latin typeface="Cambria Math" panose="02040503050406030204" pitchFamily="18" charset="0"/>
+                          </a:rPr>
+                        </m:ctrlPr>
+                      </m:fPr>
+                      <m:num>
+                        <m:func>
+                          <m:funcPr>
+                            <m:ctrlPr>
+                              <a:rPr lang="en-US" sz="3400" i="1">
+                                <a:latin typeface="Cambria Math" panose="02040503050406030204" pitchFamily="18" charset="0"/>
+                              </a:rPr>
+                            </m:ctrlPr>
+                          </m:funcPr>
+                          <m:fName>
+                            <m:sSub>
+                              <m:sSubPr>
+                                <m:ctrlPr>
+                                  <a:rPr lang="en-US" sz="3400" i="1">
+                                    <a:latin typeface="Cambria Math" panose="02040503050406030204" pitchFamily="18" charset="0"/>
+                                  </a:rPr>
+                                </m:ctrlPr>
+                              </m:sSubPr>
+                              <m:e>
+                                <m:r>
+                                  <m:rPr>
+                                    <m:sty m:val="p"/>
+                                  </m:rPr>
+                                  <a:rPr lang="en-US" sz="3400">
+                                    <a:latin typeface="Cambria Math" panose="02040503050406030204" pitchFamily="18" charset="0"/>
+                                  </a:rPr>
+                                  <m:t>log</m:t>
+                                </m:r>
+                              </m:e>
+                              <m:sub>
+                                <m:r>
+                                  <a:rPr lang="en-US" sz="3400" b="0" i="1" smtClean="0">
+                                    <a:latin typeface="Cambria Math" panose="02040503050406030204" pitchFamily="18" charset="0"/>
+                                  </a:rPr>
+                                  <m:t>10</m:t>
+                                </m:r>
+                              </m:sub>
+                            </m:sSub>
+                          </m:fName>
+                          <m:e>
+                            <m:r>
+                              <a:rPr lang="en-US" sz="3400" i="1">
+                                <a:latin typeface="Cambria Math" panose="02040503050406030204" pitchFamily="18" charset="0"/>
+                              </a:rPr>
+                              <m:t>𝑥</m:t>
+                            </m:r>
+                          </m:e>
+                        </m:func>
+                      </m:num>
+                      <m:den>
+                        <m:func>
+                          <m:funcPr>
+                            <m:ctrlPr>
+                              <a:rPr lang="en-US" sz="3400" i="1">
+                                <a:latin typeface="Cambria Math" panose="02040503050406030204" pitchFamily="18" charset="0"/>
+                              </a:rPr>
+                            </m:ctrlPr>
+                          </m:funcPr>
+                          <m:fName>
+                            <m:sSub>
+                              <m:sSubPr>
+                                <m:ctrlPr>
+                                  <a:rPr lang="en-US" sz="3400" i="1">
+                                    <a:latin typeface="Cambria Math" panose="02040503050406030204" pitchFamily="18" charset="0"/>
+                                  </a:rPr>
+                                </m:ctrlPr>
+                              </m:sSubPr>
+                              <m:e>
+                                <m:r>
+                                  <m:rPr>
+                                    <m:sty m:val="p"/>
+                                  </m:rPr>
+                                  <a:rPr lang="en-US" sz="3400">
+                                    <a:latin typeface="Cambria Math" panose="02040503050406030204" pitchFamily="18" charset="0"/>
+                                  </a:rPr>
+                                  <m:t>log</m:t>
+                                </m:r>
+                              </m:e>
+                              <m:sub>
+                                <m:r>
+                                  <a:rPr lang="en-US" sz="3400" b="0" i="1" smtClean="0">
+                                    <a:latin typeface="Cambria Math" panose="02040503050406030204" pitchFamily="18" charset="0"/>
+                                  </a:rPr>
+                                  <m:t>10</m:t>
+                                </m:r>
+                              </m:sub>
+                            </m:sSub>
+                          </m:fName>
+                          <m:e>
+                            <m:r>
+                              <a:rPr lang="en-US" sz="3400" i="1">
+                                <a:latin typeface="Cambria Math" panose="02040503050406030204" pitchFamily="18" charset="0"/>
+                              </a:rPr>
+                              <m:t>𝑎</m:t>
+                            </m:r>
+                          </m:e>
+                        </m:func>
+                      </m:den>
+                    </m:f>
+                  </m:oMath>
+                </a14:m>
+                <a:r>
+                  <a:rPr lang="en-US" sz="3400" dirty="0"/>
+                  <a:t>		</a:t>
+                </a:r>
+                <a:endParaRPr lang="en-US" sz="3400" dirty="0" smtClean="0"/>
+              </a:p>
+              <a:p>
+                <a:pPr marL="0" indent="0">
+                  <a:buNone/>
+                </a:pPr>
+                <a:endParaRPr lang="en-US" sz="3400" dirty="0"/>
+              </a:p>
+              <a:p>
+                <a:pPr marL="0" indent="0">
+                  <a:buNone/>
+                </a:pPr>
+                <a:r>
+                  <a:rPr lang="en-US" sz="3400" b="1" u="sng" dirty="0"/>
+                  <a:t>Product </a:t>
+                </a:r>
+                <a:r>
+                  <a:rPr lang="en-US" sz="3400" b="1" u="sng" dirty="0" smtClean="0"/>
+                  <a:t>Property</a:t>
+                </a:r>
+                <a:r>
+                  <a:rPr lang="en-US" sz="3400" b="1" dirty="0"/>
+                  <a:t> </a:t>
+                </a:r>
+                <a:r>
+                  <a:rPr lang="en-US" sz="3400" b="1" dirty="0" smtClean="0"/>
+                  <a:t>			</a:t>
+                </a:r>
+                <a:r>
+                  <a:rPr lang="en-US" sz="3400" b="1" u="sng" dirty="0"/>
+                  <a:t>Quotient </a:t>
+                </a:r>
+                <a:r>
+                  <a:rPr lang="en-US" sz="3400" b="1" u="sng" dirty="0" smtClean="0"/>
+                  <a:t>Property</a:t>
+                </a:r>
+                <a:endParaRPr lang="en-US" sz="3400" dirty="0"/>
+              </a:p>
+              <a:p>
+                <a:pPr marL="0" indent="0">
+                  <a:buNone/>
+                </a:pPr>
+                <a:r>
+                  <a:rPr lang="en-US" sz="3400" dirty="0"/>
+                  <a:t> </a:t>
+                </a:r>
+                <a14:m>
+                  <m:oMath xmlns:m="http://schemas.openxmlformats.org/officeDocument/2006/math">
+                    <m:func>
+                      <m:funcPr>
+                        <m:ctrlPr>
+                          <a:rPr lang="en-US" sz="3400" i="1">
+                            <a:latin typeface="Cambria Math" panose="02040503050406030204" pitchFamily="18" charset="0"/>
+                          </a:rPr>
+                        </m:ctrlPr>
+                      </m:funcPr>
+                      <m:fName>
+                        <m:sSub>
+                          <m:sSubPr>
+                            <m:ctrlPr>
+                              <a:rPr lang="en-US" sz="3400" i="1">
+                                <a:latin typeface="Cambria Math" panose="02040503050406030204" pitchFamily="18" charset="0"/>
+                              </a:rPr>
+                            </m:ctrlPr>
+                          </m:sSubPr>
+                          <m:e>
+                            <m:r>
+                              <m:rPr>
+                                <m:sty m:val="p"/>
+                              </m:rPr>
+                              <a:rPr lang="en-US" sz="3400">
+                                <a:latin typeface="Cambria Math" panose="02040503050406030204" pitchFamily="18" charset="0"/>
+                              </a:rPr>
+                              <m:t>log</m:t>
+                            </m:r>
+                          </m:e>
+                          <m:sub>
+                            <m:r>
+                              <m:rPr>
+                                <m:sty m:val="p"/>
+                              </m:rPr>
+                              <a:rPr lang="en-US" sz="3400">
+                                <a:latin typeface="Cambria Math" panose="02040503050406030204" pitchFamily="18" charset="0"/>
+                              </a:rPr>
+                              <m:t>a</m:t>
+                            </m:r>
+                          </m:sub>
+                        </m:sSub>
+                      </m:fName>
+                      <m:e>
+                        <m:r>
+                          <a:rPr lang="en-US" sz="3400">
+                            <a:latin typeface="Cambria Math" panose="02040503050406030204" pitchFamily="18" charset="0"/>
+                          </a:rPr>
+                          <m:t>(</m:t>
+                        </m:r>
+                        <m:r>
+                          <m:rPr>
+                            <m:sty m:val="p"/>
+                          </m:rPr>
+                          <a:rPr lang="en-US" sz="3400">
+                            <a:latin typeface="Cambria Math" panose="02040503050406030204" pitchFamily="18" charset="0"/>
+                          </a:rPr>
+                          <m:t>uv</m:t>
+                        </m:r>
+                        <m:r>
+                          <a:rPr lang="en-US" sz="3400">
+                            <a:latin typeface="Cambria Math" panose="02040503050406030204" pitchFamily="18" charset="0"/>
+                          </a:rPr>
+                          <m:t>)</m:t>
+                        </m:r>
+                      </m:e>
+                    </m:func>
+                    <m:r>
+                      <a:rPr lang="en-US" sz="3400" i="1">
+                        <a:latin typeface="Cambria Math" panose="02040503050406030204" pitchFamily="18" charset="0"/>
+                      </a:rPr>
+                      <m:t>=</m:t>
+                    </m:r>
+                    <m:func>
+                      <m:funcPr>
+                        <m:ctrlPr>
+                          <a:rPr lang="en-US" sz="3400" i="1">
+                            <a:latin typeface="Cambria Math" panose="02040503050406030204" pitchFamily="18" charset="0"/>
+                          </a:rPr>
+                        </m:ctrlPr>
+                      </m:funcPr>
+                      <m:fName>
+                        <m:sSub>
+                          <m:sSubPr>
+                            <m:ctrlPr>
+                              <a:rPr lang="en-US" sz="3400" i="1">
+                                <a:latin typeface="Cambria Math" panose="02040503050406030204" pitchFamily="18" charset="0"/>
+                              </a:rPr>
+                            </m:ctrlPr>
+                          </m:sSubPr>
+                          <m:e>
+                            <m:r>
+                              <m:rPr>
+                                <m:sty m:val="p"/>
+                              </m:rPr>
+                              <a:rPr lang="en-US" sz="3400">
+                                <a:latin typeface="Cambria Math" panose="02040503050406030204" pitchFamily="18" charset="0"/>
+                              </a:rPr>
+                              <m:t>log</m:t>
+                            </m:r>
+                          </m:e>
+                          <m:sub>
+                            <m:r>
+                              <m:rPr>
+                                <m:sty m:val="p"/>
+                              </m:rPr>
+                              <a:rPr lang="en-US" sz="3400">
+                                <a:latin typeface="Cambria Math" panose="02040503050406030204" pitchFamily="18" charset="0"/>
+                              </a:rPr>
+                              <m:t>a</m:t>
+                            </m:r>
+                          </m:sub>
+                        </m:sSub>
+                      </m:fName>
+                      <m:e>
+                        <m:r>
+                          <a:rPr lang="en-US" sz="3400">
+                            <a:latin typeface="Cambria Math" panose="02040503050406030204" pitchFamily="18" charset="0"/>
+                          </a:rPr>
+                          <m:t>(</m:t>
+                        </m:r>
+                        <m:r>
+                          <m:rPr>
+                            <m:sty m:val="p"/>
+                          </m:rPr>
+                          <a:rPr lang="en-US" sz="3400">
+                            <a:latin typeface="Cambria Math" panose="02040503050406030204" pitchFamily="18" charset="0"/>
+                          </a:rPr>
+                          <m:t>u</m:t>
+                        </m:r>
+                        <m:r>
+                          <a:rPr lang="en-US" sz="3400">
+                            <a:latin typeface="Cambria Math" panose="02040503050406030204" pitchFamily="18" charset="0"/>
+                          </a:rPr>
+                          <m:t>)</m:t>
+                        </m:r>
+                      </m:e>
+                    </m:func>
+                    <m:r>
+                      <a:rPr lang="en-US" sz="3400" i="1">
+                        <a:latin typeface="Cambria Math" panose="02040503050406030204" pitchFamily="18" charset="0"/>
+                      </a:rPr>
+                      <m:t>+</m:t>
+                    </m:r>
+                    <m:func>
+                      <m:funcPr>
+                        <m:ctrlPr>
+                          <a:rPr lang="en-US" sz="3400" i="1">
+                            <a:latin typeface="Cambria Math" panose="02040503050406030204" pitchFamily="18" charset="0"/>
+                          </a:rPr>
+                        </m:ctrlPr>
+                      </m:funcPr>
+                      <m:fName>
+                        <m:sSub>
+                          <m:sSubPr>
+                            <m:ctrlPr>
+                              <a:rPr lang="en-US" sz="3400" i="1">
+                                <a:latin typeface="Cambria Math" panose="02040503050406030204" pitchFamily="18" charset="0"/>
+                              </a:rPr>
+                            </m:ctrlPr>
+                          </m:sSubPr>
+                          <m:e>
+                            <m:r>
+                              <m:rPr>
+                                <m:sty m:val="p"/>
+                              </m:rPr>
+                              <a:rPr lang="en-US" sz="3400">
+                                <a:latin typeface="Cambria Math" panose="02040503050406030204" pitchFamily="18" charset="0"/>
+                              </a:rPr>
+                              <m:t>log</m:t>
+                            </m:r>
+                          </m:e>
+                          <m:sub>
+                            <m:r>
+                              <m:rPr>
+                                <m:sty m:val="p"/>
+                              </m:rPr>
+                              <a:rPr lang="en-US" sz="3400">
+                                <a:latin typeface="Cambria Math" panose="02040503050406030204" pitchFamily="18" charset="0"/>
+                              </a:rPr>
+                              <m:t>a</m:t>
+                            </m:r>
+                          </m:sub>
+                        </m:sSub>
+                      </m:fName>
+                      <m:e>
+                        <m:r>
+                          <a:rPr lang="en-US" sz="3400">
+                            <a:latin typeface="Cambria Math" panose="02040503050406030204" pitchFamily="18" charset="0"/>
+                          </a:rPr>
+                          <m:t>(</m:t>
+                        </m:r>
+                        <m:r>
+                          <m:rPr>
+                            <m:sty m:val="p"/>
+                          </m:rPr>
+                          <a:rPr lang="en-US" sz="3400">
+                            <a:latin typeface="Cambria Math" panose="02040503050406030204" pitchFamily="18" charset="0"/>
+                          </a:rPr>
+                          <m:t>v</m:t>
+                        </m:r>
+                        <m:r>
+                          <a:rPr lang="en-US" sz="3400">
+                            <a:latin typeface="Cambria Math" panose="02040503050406030204" pitchFamily="18" charset="0"/>
+                          </a:rPr>
+                          <m:t>)</m:t>
+                        </m:r>
+                      </m:e>
+                    </m:func>
+                  </m:oMath>
+                </a14:m>
+                <a:r>
+                  <a:rPr lang="en-US" sz="3400" dirty="0"/>
+                  <a:t>	</a:t>
+                </a:r>
+                <a14:m>
+                  <m:oMath xmlns:m="http://schemas.openxmlformats.org/officeDocument/2006/math">
+                    <m:func>
+                      <m:funcPr>
+                        <m:ctrlPr>
+                          <a:rPr lang="en-US" sz="3400" i="1">
+                            <a:latin typeface="Cambria Math" panose="02040503050406030204" pitchFamily="18" charset="0"/>
+                          </a:rPr>
+                        </m:ctrlPr>
+                      </m:funcPr>
+                      <m:fName>
+                        <m:sSub>
+                          <m:sSubPr>
+                            <m:ctrlPr>
+                              <a:rPr lang="en-US" sz="3400" i="1">
+                                <a:latin typeface="Cambria Math" panose="02040503050406030204" pitchFamily="18" charset="0"/>
+                              </a:rPr>
+                            </m:ctrlPr>
+                          </m:sSubPr>
+                          <m:e>
+                            <m:r>
+                              <m:rPr>
+                                <m:sty m:val="p"/>
+                              </m:rPr>
+                              <a:rPr lang="en-US" sz="3400">
+                                <a:latin typeface="Cambria Math" panose="02040503050406030204" pitchFamily="18" charset="0"/>
+                              </a:rPr>
+                              <m:t>log</m:t>
+                            </m:r>
+                          </m:e>
+                          <m:sub>
+                            <m:r>
+                              <m:rPr>
+                                <m:sty m:val="p"/>
+                              </m:rPr>
+                              <a:rPr lang="en-US" sz="3400">
+                                <a:latin typeface="Cambria Math" panose="02040503050406030204" pitchFamily="18" charset="0"/>
+                              </a:rPr>
+                              <m:t>a</m:t>
+                            </m:r>
+                          </m:sub>
+                        </m:sSub>
+                      </m:fName>
+                      <m:e>
+                        <m:r>
+                          <a:rPr lang="en-US" sz="3400">
+                            <a:latin typeface="Cambria Math" panose="02040503050406030204" pitchFamily="18" charset="0"/>
+                          </a:rPr>
+                          <m:t>(</m:t>
+                        </m:r>
+                        <m:r>
+                          <m:rPr>
+                            <m:sty m:val="p"/>
+                          </m:rPr>
+                          <a:rPr lang="en-US" sz="3400">
+                            <a:latin typeface="Cambria Math" panose="02040503050406030204" pitchFamily="18" charset="0"/>
+                          </a:rPr>
+                          <m:t>u</m:t>
+                        </m:r>
+                        <m:r>
+                          <a:rPr lang="en-US" sz="3400">
+                            <a:latin typeface="Cambria Math" panose="02040503050406030204" pitchFamily="18" charset="0"/>
+                          </a:rPr>
+                          <m:t>/</m:t>
+                        </m:r>
+                        <m:r>
+                          <m:rPr>
+                            <m:sty m:val="p"/>
+                          </m:rPr>
+                          <a:rPr lang="en-US" sz="3400">
+                            <a:latin typeface="Cambria Math" panose="02040503050406030204" pitchFamily="18" charset="0"/>
+                          </a:rPr>
+                          <m:t>v</m:t>
+                        </m:r>
+                        <m:r>
+                          <a:rPr lang="en-US" sz="3400">
+                            <a:latin typeface="Cambria Math" panose="02040503050406030204" pitchFamily="18" charset="0"/>
+                          </a:rPr>
+                          <m:t>)</m:t>
+                        </m:r>
+                      </m:e>
+                    </m:func>
+                    <m:r>
+                      <a:rPr lang="en-US" sz="3400" i="1">
+                        <a:latin typeface="Cambria Math" panose="02040503050406030204" pitchFamily="18" charset="0"/>
+                      </a:rPr>
+                      <m:t>=</m:t>
+                    </m:r>
+                    <m:func>
+                      <m:funcPr>
+                        <m:ctrlPr>
+                          <a:rPr lang="en-US" sz="3400" i="1">
+                            <a:latin typeface="Cambria Math" panose="02040503050406030204" pitchFamily="18" charset="0"/>
+                          </a:rPr>
+                        </m:ctrlPr>
+                      </m:funcPr>
+                      <m:fName>
+                        <m:sSub>
+                          <m:sSubPr>
+                            <m:ctrlPr>
+                              <a:rPr lang="en-US" sz="3400" i="1">
+                                <a:latin typeface="Cambria Math" panose="02040503050406030204" pitchFamily="18" charset="0"/>
+                              </a:rPr>
+                            </m:ctrlPr>
+                          </m:sSubPr>
+                          <m:e>
+                            <m:r>
+                              <m:rPr>
+                                <m:sty m:val="p"/>
+                              </m:rPr>
+                              <a:rPr lang="en-US" sz="3400">
+                                <a:latin typeface="Cambria Math" panose="02040503050406030204" pitchFamily="18" charset="0"/>
+                              </a:rPr>
+                              <m:t>log</m:t>
+                            </m:r>
+                          </m:e>
+                          <m:sub>
+                            <m:r>
+                              <m:rPr>
+                                <m:sty m:val="p"/>
+                              </m:rPr>
+                              <a:rPr lang="en-US" sz="3400">
+                                <a:latin typeface="Cambria Math" panose="02040503050406030204" pitchFamily="18" charset="0"/>
+                              </a:rPr>
+                              <m:t>a</m:t>
+                            </m:r>
+                          </m:sub>
+                        </m:sSub>
+                      </m:fName>
+                      <m:e>
+                        <m:r>
+                          <a:rPr lang="en-US" sz="3400">
+                            <a:latin typeface="Cambria Math" panose="02040503050406030204" pitchFamily="18" charset="0"/>
+                          </a:rPr>
+                          <m:t>(</m:t>
+                        </m:r>
+                        <m:r>
+                          <m:rPr>
+                            <m:sty m:val="p"/>
+                          </m:rPr>
+                          <a:rPr lang="en-US" sz="3400">
+                            <a:latin typeface="Cambria Math" panose="02040503050406030204" pitchFamily="18" charset="0"/>
+                          </a:rPr>
+                          <m:t>u</m:t>
+                        </m:r>
+                        <m:r>
+                          <a:rPr lang="en-US" sz="3400">
+                            <a:latin typeface="Cambria Math" panose="02040503050406030204" pitchFamily="18" charset="0"/>
+                          </a:rPr>
+                          <m:t>)</m:t>
+                        </m:r>
+                      </m:e>
+                    </m:func>
+                    <m:r>
+                      <a:rPr lang="en-US" sz="3400" i="1">
+                        <a:latin typeface="Cambria Math" panose="02040503050406030204" pitchFamily="18" charset="0"/>
+                      </a:rPr>
+                      <m:t>−</m:t>
+                    </m:r>
+                    <m:func>
+                      <m:funcPr>
+                        <m:ctrlPr>
+                          <a:rPr lang="en-US" sz="3400" i="1">
+                            <a:latin typeface="Cambria Math" panose="02040503050406030204" pitchFamily="18" charset="0"/>
+                          </a:rPr>
+                        </m:ctrlPr>
+                      </m:funcPr>
+                      <m:fName>
+                        <m:sSub>
+                          <m:sSubPr>
+                            <m:ctrlPr>
+                              <a:rPr lang="en-US" sz="3400" i="1">
+                                <a:latin typeface="Cambria Math" panose="02040503050406030204" pitchFamily="18" charset="0"/>
+                              </a:rPr>
+                            </m:ctrlPr>
+                          </m:sSubPr>
+                          <m:e>
+                            <m:r>
+                              <m:rPr>
+                                <m:sty m:val="p"/>
+                              </m:rPr>
+                              <a:rPr lang="en-US" sz="3400">
+                                <a:latin typeface="Cambria Math" panose="02040503050406030204" pitchFamily="18" charset="0"/>
+                              </a:rPr>
+                              <m:t>log</m:t>
+                            </m:r>
+                          </m:e>
+                          <m:sub>
+                            <m:r>
+                              <m:rPr>
+                                <m:sty m:val="p"/>
+                              </m:rPr>
+                              <a:rPr lang="en-US" sz="3400">
+                                <a:latin typeface="Cambria Math" panose="02040503050406030204" pitchFamily="18" charset="0"/>
+                              </a:rPr>
+                              <m:t>a</m:t>
+                            </m:r>
+                          </m:sub>
+                        </m:sSub>
+                      </m:fName>
+                      <m:e>
+                        <m:r>
+                          <a:rPr lang="en-US" sz="3400">
+                            <a:latin typeface="Cambria Math" panose="02040503050406030204" pitchFamily="18" charset="0"/>
+                          </a:rPr>
+                          <m:t>(</m:t>
+                        </m:r>
+                        <m:r>
+                          <m:rPr>
+                            <m:sty m:val="p"/>
+                          </m:rPr>
+                          <a:rPr lang="en-US" sz="3400">
+                            <a:latin typeface="Cambria Math" panose="02040503050406030204" pitchFamily="18" charset="0"/>
+                          </a:rPr>
+                          <m:t>v</m:t>
+                        </m:r>
+                        <m:r>
+                          <a:rPr lang="en-US" sz="3400">
+                            <a:latin typeface="Cambria Math" panose="02040503050406030204" pitchFamily="18" charset="0"/>
+                          </a:rPr>
+                          <m:t>)</m:t>
+                        </m:r>
+                      </m:e>
+                    </m:func>
+                  </m:oMath>
+                </a14:m>
+                <a:r>
+                  <a:rPr lang="en-US" sz="3400" dirty="0"/>
+                  <a:t>	</a:t>
+                </a:r>
+                <a:endParaRPr lang="en-US" sz="3400" dirty="0" smtClean="0"/>
+              </a:p>
+              <a:p>
+                <a:pPr marL="0" indent="0">
+                  <a:buNone/>
+                </a:pPr>
+                <a:endParaRPr lang="en-US" sz="3400" dirty="0"/>
+              </a:p>
+              <a:p>
+                <a:pPr marL="0" indent="0">
+                  <a:buNone/>
+                </a:pPr>
+                <a:r>
+                  <a:rPr lang="en-US" sz="3400" b="1" u="sng" dirty="0"/>
+                  <a:t>Power </a:t>
+                </a:r>
+                <a:r>
+                  <a:rPr lang="en-US" sz="3400" b="1" u="sng" dirty="0" smtClean="0"/>
+                  <a:t>Property</a:t>
+                </a:r>
+                <a:r>
+                  <a:rPr lang="en-US" sz="3400" dirty="0"/>
+                  <a:t>	</a:t>
+                </a:r>
+                <a:r>
+                  <a:rPr lang="en-US" sz="3400" dirty="0" smtClean="0"/>
+                  <a:t>			</a:t>
+                </a:r>
+                <a:r>
+                  <a:rPr lang="en-US" sz="3400" b="1" u="sng" dirty="0" smtClean="0"/>
+                  <a:t>Rewrite: </a:t>
+                </a:r>
+                <a:endParaRPr lang="en-US" sz="3400" dirty="0"/>
+              </a:p>
+              <a:p>
+                <a:pPr marL="0" indent="0">
+                  <a:buNone/>
+                </a:pPr>
+                <a14:m>
+                  <m:oMath xmlns:m="http://schemas.openxmlformats.org/officeDocument/2006/math">
+                    <m:func>
+                      <m:funcPr>
+                        <m:ctrlPr>
+                          <a:rPr lang="en-US" sz="3400" i="1">
+                            <a:latin typeface="Cambria Math" panose="02040503050406030204" pitchFamily="18" charset="0"/>
+                          </a:rPr>
+                        </m:ctrlPr>
+                      </m:funcPr>
+                      <m:fName>
+                        <m:sSub>
+                          <m:sSubPr>
+                            <m:ctrlPr>
+                              <a:rPr lang="en-US" sz="3400" i="1">
+                                <a:latin typeface="Cambria Math" panose="02040503050406030204" pitchFamily="18" charset="0"/>
+                              </a:rPr>
+                            </m:ctrlPr>
+                          </m:sSubPr>
+                          <m:e>
+                            <m:r>
+                              <m:rPr>
+                                <m:sty m:val="p"/>
+                              </m:rPr>
+                              <a:rPr lang="en-US" sz="3400">
+                                <a:latin typeface="Cambria Math" panose="02040503050406030204" pitchFamily="18" charset="0"/>
+                              </a:rPr>
+                              <m:t>log</m:t>
+                            </m:r>
+                          </m:e>
+                          <m:sub>
+                            <m:r>
+                              <m:rPr>
+                                <m:sty m:val="p"/>
+                              </m:rPr>
+                              <a:rPr lang="en-US" sz="3400">
+                                <a:latin typeface="Cambria Math" panose="02040503050406030204" pitchFamily="18" charset="0"/>
+                              </a:rPr>
+                              <m:t>a</m:t>
+                            </m:r>
+                          </m:sub>
+                        </m:sSub>
+                      </m:fName>
+                      <m:e>
+                        <m:sSup>
+                          <m:sSupPr>
+                            <m:ctrlPr>
+                              <a:rPr lang="en-US" sz="3400" i="1">
+                                <a:latin typeface="Cambria Math" panose="02040503050406030204" pitchFamily="18" charset="0"/>
+                              </a:rPr>
+                            </m:ctrlPr>
+                          </m:sSupPr>
+                          <m:e>
+                            <m:r>
+                              <a:rPr lang="en-US" sz="3400" i="1">
+                                <a:latin typeface="Cambria Math" panose="02040503050406030204" pitchFamily="18" charset="0"/>
+                              </a:rPr>
+                              <m:t>𝑢</m:t>
+                            </m:r>
+                          </m:e>
+                          <m:sup>
+                            <m:r>
+                              <a:rPr lang="en-US" sz="3400" i="1">
+                                <a:latin typeface="Cambria Math" panose="02040503050406030204" pitchFamily="18" charset="0"/>
+                              </a:rPr>
+                              <m:t>𝑛</m:t>
+                            </m:r>
+                          </m:sup>
+                        </m:sSup>
+                      </m:e>
+                    </m:func>
+                    <m:r>
+                      <a:rPr lang="en-US" sz="3400" i="1">
+                        <a:latin typeface="Cambria Math" panose="02040503050406030204" pitchFamily="18" charset="0"/>
+                      </a:rPr>
+                      <m:t>=</m:t>
+                    </m:r>
+                    <m:func>
+                      <m:funcPr>
+                        <m:ctrlPr>
+                          <a:rPr lang="en-US" sz="3400" i="1">
+                            <a:latin typeface="Cambria Math" panose="02040503050406030204" pitchFamily="18" charset="0"/>
+                          </a:rPr>
+                        </m:ctrlPr>
+                      </m:funcPr>
+                      <m:fName>
+                        <m:sSub>
+                          <m:sSubPr>
+                            <m:ctrlPr>
+                              <a:rPr lang="en-US" sz="3400" i="1">
+                                <a:latin typeface="Cambria Math" panose="02040503050406030204" pitchFamily="18" charset="0"/>
+                              </a:rPr>
+                            </m:ctrlPr>
+                          </m:sSubPr>
+                          <m:e>
+                            <m:r>
+                              <m:rPr>
+                                <m:sty m:val="p"/>
+                              </m:rPr>
+                              <a:rPr lang="en-US" sz="3400">
+                                <a:latin typeface="Cambria Math" panose="02040503050406030204" pitchFamily="18" charset="0"/>
+                              </a:rPr>
+                              <m:t>n</m:t>
+                            </m:r>
+                            <m:r>
+                              <a:rPr lang="en-US" sz="3400">
+                                <a:latin typeface="Cambria Math" panose="02040503050406030204" pitchFamily="18" charset="0"/>
+                              </a:rPr>
+                              <m:t> </m:t>
+                            </m:r>
+                            <m:r>
+                              <m:rPr>
+                                <m:sty m:val="p"/>
+                              </m:rPr>
+                              <a:rPr lang="en-US" sz="3400">
+                                <a:latin typeface="Cambria Math" panose="02040503050406030204" pitchFamily="18" charset="0"/>
+                              </a:rPr>
+                              <m:t>log</m:t>
+                            </m:r>
+                          </m:e>
+                          <m:sub>
+                            <m:r>
+                              <m:rPr>
+                                <m:sty m:val="p"/>
+                              </m:rPr>
+                              <a:rPr lang="en-US" sz="3400">
+                                <a:latin typeface="Cambria Math" panose="02040503050406030204" pitchFamily="18" charset="0"/>
+                              </a:rPr>
+                              <m:t>a</m:t>
+                            </m:r>
+                          </m:sub>
+                        </m:sSub>
+                      </m:fName>
+                      <m:e>
+                        <m:r>
+                          <a:rPr lang="en-US" sz="3400">
+                            <a:latin typeface="Cambria Math" panose="02040503050406030204" pitchFamily="18" charset="0"/>
+                          </a:rPr>
+                          <m:t>(</m:t>
+                        </m:r>
+                        <m:r>
+                          <m:rPr>
+                            <m:sty m:val="p"/>
+                          </m:rPr>
+                          <a:rPr lang="en-US" sz="3400">
+                            <a:latin typeface="Cambria Math" panose="02040503050406030204" pitchFamily="18" charset="0"/>
+                          </a:rPr>
+                          <m:t>u</m:t>
+                        </m:r>
+                        <m:r>
+                          <a:rPr lang="en-US" sz="3400">
+                            <a:latin typeface="Cambria Math" panose="02040503050406030204" pitchFamily="18" charset="0"/>
+                          </a:rPr>
+                          <m:t>)</m:t>
+                        </m:r>
+                      </m:e>
+                    </m:func>
+                  </m:oMath>
+                </a14:m>
+                <a:r>
+                  <a:rPr lang="en-US" sz="3400" dirty="0" smtClean="0"/>
+                  <a:t>			</a:t>
+                </a:r>
+                <a14:m>
+                  <m:oMath xmlns:m="http://schemas.openxmlformats.org/officeDocument/2006/math">
+                    <m:func>
+                      <m:funcPr>
+                        <m:ctrlPr>
+                          <a:rPr lang="en-US" sz="3400" i="1">
+                            <a:latin typeface="Cambria Math" panose="02040503050406030204" pitchFamily="18" charset="0"/>
+                          </a:rPr>
+                        </m:ctrlPr>
+                      </m:funcPr>
+                      <m:fName>
+                        <m:sSub>
+                          <m:sSubPr>
+                            <m:ctrlPr>
+                              <a:rPr lang="en-US" sz="3400" i="1">
+                                <a:latin typeface="Cambria Math" panose="02040503050406030204" pitchFamily="18" charset="0"/>
+                              </a:rPr>
+                            </m:ctrlPr>
+                          </m:sSubPr>
+                          <m:e>
+                            <m:r>
+                              <m:rPr>
+                                <m:sty m:val="p"/>
+                              </m:rPr>
+                              <a:rPr lang="en-US" sz="3400">
+                                <a:latin typeface="Cambria Math" panose="02040503050406030204" pitchFamily="18" charset="0"/>
+                              </a:rPr>
+                              <m:t>log</m:t>
+                            </m:r>
+                          </m:e>
+                          <m:sub>
+                            <m:r>
+                              <m:rPr>
+                                <m:sty m:val="p"/>
+                              </m:rPr>
+                              <a:rPr lang="en-US" sz="3400" b="0" i="0" smtClean="0">
+                                <a:latin typeface="Cambria Math" panose="02040503050406030204" pitchFamily="18" charset="0"/>
+                              </a:rPr>
+                              <m:t>b</m:t>
+                            </m:r>
+                          </m:sub>
+                        </m:sSub>
+                      </m:fName>
+                      <m:e>
+                        <m:r>
+                          <a:rPr lang="en-US" sz="3400" b="0" i="1" smtClean="0">
+                            <a:latin typeface="Cambria Math" panose="02040503050406030204" pitchFamily="18" charset="0"/>
+                          </a:rPr>
+                          <m:t>𝑦</m:t>
+                        </m:r>
+                      </m:e>
+                    </m:func>
+                    <m:r>
+                      <a:rPr lang="en-US" sz="3400" b="0" i="1" smtClean="0">
+                        <a:latin typeface="Cambria Math" panose="02040503050406030204" pitchFamily="18" charset="0"/>
+                      </a:rPr>
+                      <m:t>=</m:t>
+                    </m:r>
+                    <m:r>
+                      <a:rPr lang="en-US" sz="3400" b="0" i="1" smtClean="0">
+                        <a:latin typeface="Cambria Math" panose="02040503050406030204" pitchFamily="18" charset="0"/>
+                      </a:rPr>
+                      <m:t>𝑥</m:t>
+                    </m:r>
+                    <m:r>
+                      <a:rPr lang="en-US" sz="3400" b="0" i="1" smtClean="0">
+                        <a:latin typeface="Cambria Math" panose="02040503050406030204" pitchFamily="18" charset="0"/>
+                      </a:rPr>
+                      <m:t>  &lt; = &gt; </m:t>
+                    </m:r>
+                    <m:sSup>
+                      <m:sSupPr>
+                        <m:ctrlPr>
+                          <a:rPr lang="en-US" sz="3400" i="1">
+                            <a:latin typeface="Cambria Math" panose="02040503050406030204" pitchFamily="18" charset="0"/>
+                          </a:rPr>
+                        </m:ctrlPr>
+                      </m:sSupPr>
+                      <m:e>
+                        <m:r>
+                          <a:rPr lang="en-US" sz="3400" b="0" i="1" smtClean="0">
+                            <a:latin typeface="Cambria Math" panose="02040503050406030204" pitchFamily="18" charset="0"/>
+                          </a:rPr>
+                          <m:t>𝑏</m:t>
+                        </m:r>
+                      </m:e>
+                      <m:sup>
+                        <m:r>
+                          <a:rPr lang="en-US" sz="3400" b="0" i="1" smtClean="0">
+                            <a:latin typeface="Cambria Math" panose="02040503050406030204" pitchFamily="18" charset="0"/>
+                          </a:rPr>
+                          <m:t>𝑥</m:t>
+                        </m:r>
+                      </m:sup>
+                    </m:sSup>
+                    <m:r>
+                      <a:rPr lang="en-US" sz="3400" b="0" i="1" smtClean="0">
+                        <a:latin typeface="Cambria Math" panose="02040503050406030204" pitchFamily="18" charset="0"/>
+                      </a:rPr>
+                      <m:t>=</m:t>
+                    </m:r>
+                    <m:r>
+                      <a:rPr lang="en-US" sz="3400" b="0" i="1" smtClean="0">
+                        <a:latin typeface="Cambria Math" panose="02040503050406030204" pitchFamily="18" charset="0"/>
+                      </a:rPr>
+                      <m:t>𝑦</m:t>
+                    </m:r>
+                  </m:oMath>
+                </a14:m>
+                <a:endParaRPr lang="en-US" sz="3400" dirty="0"/>
+              </a:p>
+            </p:txBody>
+          </p:sp>
+        </mc:Choice>
+        <mc:Fallback>
+          <p:sp>
+            <p:nvSpPr>
+              <p:cNvPr id="3" name="Content Placeholder 2"/>
+              <p:cNvSpPr>
+                <a:spLocks noGrp="1" noRot="1" noChangeAspect="1" noMove="1" noResize="1" noEditPoints="1" noAdjustHandles="1" noChangeArrowheads="1" noChangeShapeType="1" noTextEdit="1"/>
+              </p:cNvSpPr>
+              <p:nvPr>
+                <p:ph idx="1"/>
+              </p:nvPr>
+            </p:nvSpPr>
+            <p:spPr>
+              <a:xfrm>
+                <a:off x="779489" y="1469037"/>
+                <a:ext cx="11412511" cy="5276538"/>
+              </a:xfrm>
+              <a:blipFill rotWithShape="0">
+                <a:blip r:embed="rId2"/>
+                <a:stretch>
+                  <a:fillRect l="-1335" t="-2079"/>
+                </a:stretch>
+              </a:blipFill>
+            </p:spPr>
+            <p:txBody>
+              <a:bodyPr/>
+              <a:lstStyle/>
+              <a:p>
+                <a:r>
+                  <a:rPr lang="en-US">
+                    <a:noFill/>
+                  </a:rPr>
+                  <a:t> </a:t>
+                </a:r>
+              </a:p>
+            </p:txBody>
+          </p:sp>
+        </mc:Fallback>
+      </mc:AlternateContent>
+    </p:spTree>
+    <p:extLst>
+      <p:ext uri="{BB962C8B-B14F-4D97-AF65-F5344CB8AC3E}">
+        <p14:creationId xmlns:p14="http://schemas.microsoft.com/office/powerpoint/2010/main" val="1864557590"/>
+      </p:ext>
+    </p:extLst>
+  </p:cSld>
+  <p:clrMapOvr>
+    <a:masterClrMapping/>
+  </p:clrMapOvr>
+  <p:timing>
+    <p:tnLst>
+      <p:par>
+        <p:cTn id="1" dur="indefinite" restart="never" nodeType="tmRoot"/>
+      </p:par>
+    </p:tnLst>
+  </p:timing>
+</p:sld>
+</file>
+
+<file path=ppt/slides/slide12.xml><?xml version="1.0" encoding="utf-8"?>
+<p:sld xmlns:a="http://schemas.openxmlformats.org/drawingml/2006/main" xmlns:r="http://schemas.openxmlformats.org/officeDocument/2006/relationships" xmlns:p="http://schemas.openxmlformats.org/presentationml/2006/main">
+  <p:cSld>
+    <p:spTree>
+      <p:nvGrpSpPr>
+        <p:cNvPr id="1" name=""/>
+        <p:cNvGrpSpPr/>
+        <p:nvPr/>
+      </p:nvGrpSpPr>
+      <p:grpSpPr>
+        <a:xfrm>
+          <a:off x="0" y="0"/>
+          <a:ext cx="0" cy="0"/>
+          <a:chOff x="0" y="0"/>
+          <a:chExt cx="0" cy="0"/>
+        </a:xfrm>
+      </p:grpSpPr>
+      <p:sp>
+        <p:nvSpPr>
+          <p:cNvPr id="2" name="Title 1"/>
+          <p:cNvSpPr>
+            <a:spLocks noGrp="1"/>
+          </p:cNvSpPr>
+          <p:nvPr>
+            <p:ph type="title"/>
+          </p:nvPr>
+        </p:nvSpPr>
+        <p:spPr/>
+        <p:txBody>
+          <a:bodyPr/>
+          <a:lstStyle/>
+          <a:p>
+            <a:r>
+              <a:rPr lang="en-US" dirty="0" smtClean="0"/>
+              <a:t>Examples</a:t>
+            </a:r>
+            <a:endParaRPr lang="en-US" dirty="0"/>
+          </a:p>
+        </p:txBody>
+      </p:sp>
+      <mc:AlternateContent xmlns:mc="http://schemas.openxmlformats.org/markup-compatibility/2006">
+        <mc:Choice xmlns:a14="http://schemas.microsoft.com/office/drawing/2010/main" Requires="a14">
           <p:sp>
             <p:nvSpPr>
               <p:cNvPr id="3" name="Content Placeholder 2"/>
@@ -3936,7 +6047,7 @@
             </p:spPr>
             <p:txBody>
               <a:bodyPr>
-                <a:normAutofit/>
+                <a:normAutofit fontScale="92500" lnSpcReduction="10000"/>
               </a:bodyPr>
               <a:lstStyle/>
               <a:p>
@@ -4378,6 +6489,57 @@
                     </m:r>
                   </m:oMath>
                 </a14:m>
+                <a:r>
+                  <a:rPr lang="en-US" sz="3400" dirty="0" smtClean="0"/>
+                  <a:t>		</a:t>
+                </a:r>
+                <a14:m>
+                  <m:oMath xmlns:m="http://schemas.openxmlformats.org/officeDocument/2006/math">
+                    <m:sSub>
+                      <m:sSubPr>
+                        <m:ctrlPr>
+                          <a:rPr lang="en-US" sz="3400" i="1">
+                            <a:latin typeface="Cambria Math" panose="02040503050406030204" pitchFamily="18" charset="0"/>
+                          </a:rPr>
+                        </m:ctrlPr>
+                      </m:sSubPr>
+                      <m:e>
+                        <m:r>
+                          <m:rPr>
+                            <m:sty m:val="p"/>
+                          </m:rPr>
+                          <a:rPr lang="en-US" sz="3400">
+                            <a:latin typeface="Cambria Math" panose="02040503050406030204" pitchFamily="18" charset="0"/>
+                          </a:rPr>
+                          <m:t>log</m:t>
+                        </m:r>
+                      </m:e>
+                      <m:sub>
+                        <m:r>
+                          <m:rPr>
+                            <m:sty m:val="p"/>
+                          </m:rPr>
+                          <a:rPr lang="en-US" sz="3400" b="0" i="0" smtClean="0">
+                            <a:latin typeface="Cambria Math" panose="02040503050406030204" pitchFamily="18" charset="0"/>
+                          </a:rPr>
+                          <m:t>w</m:t>
+                        </m:r>
+                      </m:sub>
+                    </m:sSub>
+                    <m:r>
+                      <a:rPr lang="en-US" sz="3400" i="1">
+                        <a:latin typeface="Cambria Math" panose="02040503050406030204" pitchFamily="18" charset="0"/>
+                      </a:rPr>
+                      <m:t>1</m:t>
+                    </m:r>
+                  </m:oMath>
+                </a14:m>
+                <a:endParaRPr lang="en-US" sz="3400" dirty="0"/>
+              </a:p>
+              <a:p>
+                <a:pPr marL="0" indent="0">
+                  <a:buNone/>
+                </a:pPr>
                 <a:endParaRPr lang="en-US" sz="3400" dirty="0"/>
               </a:p>
               <a:p>
@@ -4547,14 +6709,130 @@
                 </a14:m>
                 <a:r>
                   <a:rPr lang="en-US" sz="3400" dirty="0" smtClean="0"/>
-                  <a:t>		</a:t>
+                  <a:t>	</a:t>
                 </a:r>
+                <a:r>
+                  <a:rPr lang="en-US" sz="3400" dirty="0" smtClean="0"/>
+                  <a:t>	</a:t>
+                </a:r>
+                <a14:m>
+                  <m:oMath xmlns:m="http://schemas.openxmlformats.org/officeDocument/2006/math">
+                    <m:sSub>
+                      <m:sSubPr>
+                        <m:ctrlPr>
+                          <a:rPr lang="en-US" sz="3600" i="1">
+                            <a:latin typeface="Cambria Math" panose="02040503050406030204" pitchFamily="18" charset="0"/>
+                          </a:rPr>
+                        </m:ctrlPr>
+                      </m:sSubPr>
+                      <m:e>
+                        <m:r>
+                          <m:rPr>
+                            <m:sty m:val="p"/>
+                          </m:rPr>
+                          <a:rPr lang="en-US" sz="3600">
+                            <a:latin typeface="Cambria Math" panose="02040503050406030204" pitchFamily="18" charset="0"/>
+                          </a:rPr>
+                          <m:t>log</m:t>
+                        </m:r>
+                      </m:e>
+                      <m:sub>
+                        <m:r>
+                          <m:rPr>
+                            <m:sty m:val="p"/>
+                          </m:rPr>
+                          <a:rPr lang="en-US" sz="3600" b="0" i="0" smtClean="0">
+                            <a:latin typeface="Cambria Math" panose="02040503050406030204" pitchFamily="18" charset="0"/>
+                          </a:rPr>
+                          <m:t>t</m:t>
+                        </m:r>
+                      </m:sub>
+                    </m:sSub>
+                    <m:sSup>
+                      <m:sSupPr>
+                        <m:ctrlPr>
+                          <a:rPr lang="en-US" sz="3600" i="1">
+                            <a:latin typeface="Cambria Math" panose="02040503050406030204" pitchFamily="18" charset="0"/>
+                          </a:rPr>
+                        </m:ctrlPr>
+                      </m:sSupPr>
+                      <m:e>
+                        <m:r>
+                          <a:rPr lang="en-US" sz="3600" b="0" i="1" smtClean="0">
+                            <a:latin typeface="Cambria Math" panose="02040503050406030204" pitchFamily="18" charset="0"/>
+                          </a:rPr>
+                          <m:t>𝑡</m:t>
+                        </m:r>
+                      </m:e>
+                      <m:sup>
+                        <m:r>
+                          <a:rPr lang="en-US" sz="3600" b="0" i="1" smtClean="0">
+                            <a:latin typeface="Cambria Math" panose="02040503050406030204" pitchFamily="18" charset="0"/>
+                          </a:rPr>
+                          <m:t>𝑤𝑥</m:t>
+                        </m:r>
+                      </m:sup>
+                    </m:sSup>
+                  </m:oMath>
+                </a14:m>
+                <a:r>
+                  <a:rPr lang="en-US" sz="3400" dirty="0" smtClean="0"/>
+                  <a:t>	</a:t>
+                </a:r>
+                <a:r>
+                  <a:rPr lang="en-US" sz="3400" dirty="0" smtClean="0"/>
+                  <a:t>	</a:t>
+                </a:r>
+                <a14:m>
+                  <m:oMath xmlns:m="http://schemas.openxmlformats.org/officeDocument/2006/math">
+                    <m:sSub>
+                      <m:sSubPr>
+                        <m:ctrlPr>
+                          <a:rPr lang="en-US" sz="3400" i="1">
+                            <a:latin typeface="Cambria Math" panose="02040503050406030204" pitchFamily="18" charset="0"/>
+                          </a:rPr>
+                        </m:ctrlPr>
+                      </m:sSubPr>
+                      <m:e>
+                        <m:r>
+                          <m:rPr>
+                            <m:sty m:val="p"/>
+                          </m:rPr>
+                          <a:rPr lang="en-US" sz="3400">
+                            <a:latin typeface="Cambria Math" panose="02040503050406030204" pitchFamily="18" charset="0"/>
+                          </a:rPr>
+                          <m:t>log</m:t>
+                        </m:r>
+                      </m:e>
+                      <m:sub>
+                        <m:r>
+                          <a:rPr lang="en-US" sz="3400" b="0" i="0" smtClean="0">
+                            <a:latin typeface="Cambria Math" panose="02040503050406030204" pitchFamily="18" charset="0"/>
+                          </a:rPr>
+                          <m:t>25</m:t>
+                        </m:r>
+                      </m:sub>
+                    </m:sSub>
+                    <m:r>
+                      <a:rPr lang="en-US" sz="3400" b="0" i="1" smtClean="0">
+                        <a:latin typeface="Cambria Math" panose="02040503050406030204" pitchFamily="18" charset="0"/>
+                      </a:rPr>
+                      <m:t>5</m:t>
+                    </m:r>
+                  </m:oMath>
+                </a14:m>
+                <a:endParaRPr lang="en-US" sz="3400" dirty="0"/>
+              </a:p>
+              <a:p>
+                <a:pPr marL="0" indent="0">
+                  <a:buNone/>
+                </a:pPr>
                 <a:endParaRPr lang="en-US" sz="3400" dirty="0"/>
               </a:p>
             </p:txBody>
           </p:sp>
         </mc:Choice>
-        <mc:Fallback xmlns="">
+        <mc:Fallback>
           <p:sp>
             <p:nvSpPr>
               <p:cNvPr id="3" name="Content Placeholder 2"/>
@@ -4573,7 +6851,7 @@
               <a:blipFill rotWithShape="0">
                 <a:blip r:embed="rId2"/>
                 <a:stretch>
-                  <a:fillRect l="-1778" t="-2214"/>
+                  <a:fillRect l="-1524" t="-3030"/>
                 </a:stretch>
               </a:blipFill>
             </p:spPr>
@@ -4602,10 +6880,17 @@
   <p:clrMapOvr>
     <a:masterClrMapping/>
   </p:clrMapOvr>
+  <p:timing>
+    <p:tnLst>
+      <p:par>
+        <p:cTn id="1" dur="indefinite" restart="never" nodeType="tmRoot"/>
+      </p:par>
+    </p:tnLst>
+  </p:timing>
 </p:sld>
 </file>
 
-<file path=ppt/slides/slide11.xml><?xml version="1.0" encoding="utf-8"?>
+<file path=ppt/slides/slide13.xml><?xml version="1.0" encoding="utf-8"?>
 <p:sld xmlns:a="http://schemas.openxmlformats.org/drawingml/2006/main" xmlns:r="http://schemas.openxmlformats.org/officeDocument/2006/relationships" xmlns:p="http://schemas.openxmlformats.org/presentationml/2006/main">
   <p:cSld>
     <p:spTree>
@@ -4697,6 +6982,13 @@
   <p:clrMapOvr>
     <a:masterClrMapping/>
   </p:clrMapOvr>
+  <p:timing>
+    <p:tnLst>
+      <p:par>
+        <p:cTn id="1" dur="indefinite" restart="never" nodeType="tmRoot"/>
+      </p:par>
+    </p:tnLst>
+  </p:timing>
 </p:sld>
 </file>
 
@@ -4727,6 +7019,456 @@
             <p:ph type="title"/>
           </p:nvPr>
         </p:nvSpPr>
+        <p:spPr>
+          <a:xfrm>
+            <a:off x="1371600" y="685799"/>
+            <a:ext cx="9601200" cy="1867829"/>
+          </a:xfrm>
+        </p:spPr>
+        <p:txBody>
+          <a:bodyPr>
+            <a:normAutofit fontScale="90000"/>
+          </a:bodyPr>
+          <a:lstStyle/>
+          <a:p>
+            <a:r>
+              <a:rPr lang="en-US" dirty="0" smtClean="0"/>
+              <a:t>Find key points to graph it on paper.</a:t>
+            </a:r>
+            <a:br>
+              <a:rPr lang="en-US" dirty="0" smtClean="0"/>
+            </a:br>
+            <a:r>
+              <a:rPr lang="en-US" dirty="0" smtClean="0"/>
+              <a:t>(y-intercept, x-intercept, and/or use trace button)</a:t>
+            </a:r>
+            <a:endParaRPr lang="en-US" dirty="0"/>
+          </a:p>
+        </p:txBody>
+      </p:sp>
+      <p:sp>
+        <p:nvSpPr>
+          <p:cNvPr id="3" name="Content Placeholder 2"/>
+          <p:cNvSpPr>
+            <a:spLocks noGrp="1"/>
+          </p:cNvSpPr>
+          <p:nvPr>
+            <p:ph idx="1"/>
+          </p:nvPr>
+        </p:nvSpPr>
+        <p:spPr>
+          <a:xfrm>
+            <a:off x="1371600" y="2843560"/>
+            <a:ext cx="3289610" cy="4014439"/>
+          </a:xfrm>
+        </p:spPr>
+        <p:txBody>
+          <a:bodyPr>
+            <a:normAutofit/>
+          </a:bodyPr>
+          <a:lstStyle/>
+          <a:p>
+            <a:pPr marL="530352" lvl="1" indent="0">
+              <a:buNone/>
+            </a:pPr>
+            <a:endParaRPr lang="en-US" sz="3400" dirty="0" smtClean="0"/>
+          </a:p>
+          <a:p>
+            <a:pPr marL="530352" lvl="1" indent="0">
+              <a:buNone/>
+            </a:pPr>
+            <a:endParaRPr lang="en-US" dirty="0"/>
+          </a:p>
+          <a:p>
+            <a:pPr marL="530352" lvl="1" indent="0">
+              <a:buNone/>
+            </a:pPr>
+            <a:endParaRPr lang="en-US" dirty="0"/>
+          </a:p>
+        </p:txBody>
+      </p:sp>
+      <mc:AlternateContent xmlns:mc="http://schemas.openxmlformats.org/markup-compatibility/2006" xmlns:a14="http://schemas.microsoft.com/office/drawing/2010/main">
+        <mc:Choice Requires="a14">
+          <p:sp>
+            <p:nvSpPr>
+              <p:cNvPr id="4" name="TextBox 3"/>
+              <p:cNvSpPr txBox="1"/>
+              <p:nvPr/>
+            </p:nvSpPr>
+            <p:spPr>
+              <a:xfrm>
+                <a:off x="1371600" y="1731363"/>
+                <a:ext cx="2315699" cy="1846659"/>
+              </a:xfrm>
+              <a:prstGeom prst="rect">
+                <a:avLst/>
+              </a:prstGeom>
+              <a:noFill/>
+            </p:spPr>
+            <p:txBody>
+              <a:bodyPr wrap="none" lIns="0" tIns="0" rIns="0" bIns="0" rtlCol="0">
+                <a:spAutoFit/>
+              </a:bodyPr>
+              <a:lstStyle/>
+              <a:p>
+                <a:endParaRPr lang="en-US" sz="4000" b="0" i="1" dirty="0" smtClean="0">
+                  <a:latin typeface="Cambria Math" panose="02040503050406030204" pitchFamily="18" charset="0"/>
+                </a:endParaRPr>
+              </a:p>
+              <a:p>
+                <a:endParaRPr lang="en-US" sz="4000" i="1" dirty="0">
+                  <a:latin typeface="Cambria Math" panose="02040503050406030204" pitchFamily="18" charset="0"/>
+                </a:endParaRPr>
+              </a:p>
+              <a:p>
+                <a:pPr/>
+                <a14:m>
+                  <m:oMathPara xmlns:m="http://schemas.openxmlformats.org/officeDocument/2006/math">
+                    <m:oMathParaPr>
+                      <m:jc m:val="centerGroup"/>
+                    </m:oMathParaPr>
+                    <m:oMath xmlns:m="http://schemas.openxmlformats.org/officeDocument/2006/math">
+                      <m:r>
+                        <a:rPr lang="en-US" sz="4000" b="0" i="1" smtClean="0">
+                          <a:latin typeface="Cambria Math" panose="02040503050406030204" pitchFamily="18" charset="0"/>
+                        </a:rPr>
+                        <m:t>𝑦</m:t>
+                      </m:r>
+                      <m:r>
+                        <a:rPr lang="en-US" sz="4000" b="0" i="1" smtClean="0">
+                          <a:latin typeface="Cambria Math" panose="02040503050406030204" pitchFamily="18" charset="0"/>
+                        </a:rPr>
+                        <m:t>= </m:t>
+                      </m:r>
+                      <m:sSup>
+                        <m:sSupPr>
+                          <m:ctrlPr>
+                            <a:rPr lang="en-US" sz="4000" b="0" i="1" smtClean="0">
+                              <a:latin typeface="Cambria Math" panose="02040503050406030204" pitchFamily="18" charset="0"/>
+                            </a:rPr>
+                          </m:ctrlPr>
+                        </m:sSupPr>
+                        <m:e>
+                          <m:r>
+                            <a:rPr lang="en-US" sz="4000" b="0" i="1" smtClean="0">
+                              <a:latin typeface="Cambria Math" panose="02040503050406030204" pitchFamily="18" charset="0"/>
+                            </a:rPr>
+                            <m:t>2</m:t>
+                          </m:r>
+                        </m:e>
+                        <m:sup>
+                          <m:r>
+                            <a:rPr lang="en-US" sz="4000" b="0" i="1" smtClean="0">
+                              <a:latin typeface="Cambria Math" panose="02040503050406030204" pitchFamily="18" charset="0"/>
+                            </a:rPr>
+                            <m:t>𝑥</m:t>
+                          </m:r>
+                          <m:r>
+                            <a:rPr lang="en-US" sz="4000" b="0" i="1" smtClean="0">
+                              <a:latin typeface="Cambria Math" panose="02040503050406030204" pitchFamily="18" charset="0"/>
+                            </a:rPr>
+                            <m:t>−4</m:t>
+                          </m:r>
+                        </m:sup>
+                      </m:sSup>
+                    </m:oMath>
+                  </m:oMathPara>
+                </a14:m>
+                <a:endParaRPr lang="en-US" sz="4000" dirty="0"/>
+              </a:p>
+            </p:txBody>
+          </p:sp>
+        </mc:Choice>
+        <mc:Fallback xmlns="">
+          <p:sp>
+            <p:nvSpPr>
+              <p:cNvPr id="4" name="TextBox 3"/>
+              <p:cNvSpPr txBox="1">
+                <a:spLocks noRot="1" noChangeAspect="1" noMove="1" noResize="1" noEditPoints="1" noAdjustHandles="1" noChangeArrowheads="1" noChangeShapeType="1" noTextEdit="1"/>
+              </p:cNvSpPr>
+              <p:nvPr/>
+            </p:nvSpPr>
+            <p:spPr>
+              <a:xfrm>
+                <a:off x="1371600" y="1731363"/>
+                <a:ext cx="2315699" cy="1846659"/>
+              </a:xfrm>
+              <a:prstGeom prst="rect">
+                <a:avLst/>
+              </a:prstGeom>
+              <a:blipFill rotWithShape="0">
+                <a:blip r:embed="rId2"/>
+                <a:stretch>
+                  <a:fillRect/>
+                </a:stretch>
+              </a:blipFill>
+            </p:spPr>
+            <p:txBody>
+              <a:bodyPr/>
+              <a:lstStyle/>
+              <a:p>
+                <a:r>
+                  <a:rPr lang="en-US">
+                    <a:noFill/>
+                  </a:rPr>
+                  <a:t> </a:t>
+                </a:r>
+              </a:p>
+            </p:txBody>
+          </p:sp>
+        </mc:Fallback>
+      </mc:AlternateContent>
+      <mc:AlternateContent xmlns:mc="http://schemas.openxmlformats.org/markup-compatibility/2006" xmlns:a14="http://schemas.microsoft.com/office/drawing/2010/main">
+        <mc:Choice Requires="a14">
+          <p:sp>
+            <p:nvSpPr>
+              <p:cNvPr id="5" name="TextBox 4"/>
+              <p:cNvSpPr txBox="1"/>
+              <p:nvPr/>
+            </p:nvSpPr>
+            <p:spPr>
+              <a:xfrm>
+                <a:off x="1371600" y="4294681"/>
+                <a:ext cx="3010055" cy="615553"/>
+              </a:xfrm>
+              <a:prstGeom prst="rect">
+                <a:avLst/>
+              </a:prstGeom>
+              <a:noFill/>
+            </p:spPr>
+            <p:txBody>
+              <a:bodyPr wrap="none" lIns="0" tIns="0" rIns="0" bIns="0" rtlCol="0">
+                <a:spAutoFit/>
+              </a:bodyPr>
+              <a:lstStyle/>
+              <a:p>
+                <a:pPr/>
+                <a14:m>
+                  <m:oMathPara xmlns:m="http://schemas.openxmlformats.org/officeDocument/2006/math">
+                    <m:oMathParaPr>
+                      <m:jc m:val="centerGroup"/>
+                    </m:oMathParaPr>
+                    <m:oMath xmlns:m="http://schemas.openxmlformats.org/officeDocument/2006/math">
+                      <m:r>
+                        <a:rPr lang="en-US" sz="4000" b="0" i="1" smtClean="0">
+                          <a:latin typeface="Cambria Math" panose="02040503050406030204" pitchFamily="18" charset="0"/>
+                        </a:rPr>
+                        <m:t>𝑦</m:t>
+                      </m:r>
+                      <m:r>
+                        <a:rPr lang="en-US" sz="4000" b="0" i="1" smtClean="0">
+                          <a:latin typeface="Cambria Math" panose="02040503050406030204" pitchFamily="18" charset="0"/>
+                        </a:rPr>
+                        <m:t>=0.</m:t>
+                      </m:r>
+                      <m:sSup>
+                        <m:sSupPr>
+                          <m:ctrlPr>
+                            <a:rPr lang="en-US" sz="4000" b="0" i="1" smtClean="0">
+                              <a:latin typeface="Cambria Math" panose="02040503050406030204" pitchFamily="18" charset="0"/>
+                            </a:rPr>
+                          </m:ctrlPr>
+                        </m:sSupPr>
+                        <m:e>
+                          <m:r>
+                            <a:rPr lang="en-US" sz="4000" b="0" i="1" smtClean="0">
+                              <a:latin typeface="Cambria Math" panose="02040503050406030204" pitchFamily="18" charset="0"/>
+                            </a:rPr>
+                            <m:t>3</m:t>
+                          </m:r>
+                        </m:e>
+                        <m:sup>
+                          <m:r>
+                            <a:rPr lang="en-US" sz="4000" b="0" i="1" smtClean="0">
+                              <a:latin typeface="Cambria Math" panose="02040503050406030204" pitchFamily="18" charset="0"/>
+                            </a:rPr>
+                            <m:t>𝑥</m:t>
+                          </m:r>
+                        </m:sup>
+                      </m:sSup>
+                      <m:r>
+                        <a:rPr lang="en-US" sz="4000" b="0" i="0" smtClean="0">
+                          <a:latin typeface="Cambria Math" panose="02040503050406030204" pitchFamily="18" charset="0"/>
+                        </a:rPr>
+                        <m:t>+4</m:t>
+                      </m:r>
+                    </m:oMath>
+                  </m:oMathPara>
+                </a14:m>
+                <a:endParaRPr lang="en-US" sz="4000" dirty="0"/>
+              </a:p>
+            </p:txBody>
+          </p:sp>
+        </mc:Choice>
+        <mc:Fallback xmlns="">
+          <p:sp>
+            <p:nvSpPr>
+              <p:cNvPr id="5" name="TextBox 4"/>
+              <p:cNvSpPr txBox="1">
+                <a:spLocks noRot="1" noChangeAspect="1" noMove="1" noResize="1" noEditPoints="1" noAdjustHandles="1" noChangeArrowheads="1" noChangeShapeType="1" noTextEdit="1"/>
+              </p:cNvSpPr>
+              <p:nvPr/>
+            </p:nvSpPr>
+            <p:spPr>
+              <a:xfrm>
+                <a:off x="1371600" y="4294681"/>
+                <a:ext cx="3010055" cy="615553"/>
+              </a:xfrm>
+              <a:prstGeom prst="rect">
+                <a:avLst/>
+              </a:prstGeom>
+              <a:blipFill rotWithShape="0">
+                <a:blip r:embed="rId3"/>
+                <a:stretch>
+                  <a:fillRect/>
+                </a:stretch>
+              </a:blipFill>
+            </p:spPr>
+            <p:txBody>
+              <a:bodyPr/>
+              <a:lstStyle/>
+              <a:p>
+                <a:r>
+                  <a:rPr lang="en-US">
+                    <a:noFill/>
+                  </a:rPr>
+                  <a:t> </a:t>
+                </a:r>
+              </a:p>
+            </p:txBody>
+          </p:sp>
+        </mc:Fallback>
+      </mc:AlternateContent>
+    </p:spTree>
+    <p:extLst>
+      <p:ext uri="{BB962C8B-B14F-4D97-AF65-F5344CB8AC3E}">
+        <p14:creationId xmlns:p14="http://schemas.microsoft.com/office/powerpoint/2010/main" val="1782851892"/>
+      </p:ext>
+    </p:extLst>
+  </p:cSld>
+  <p:clrMapOvr>
+    <a:masterClrMapping/>
+  </p:clrMapOvr>
+  <p:timing>
+    <p:tnLst>
+      <p:par>
+        <p:cTn id="1" dur="indefinite" restart="never" nodeType="tmRoot"/>
+      </p:par>
+    </p:tnLst>
+  </p:timing>
+</p:sld>
+</file>
+
+<file path=ppt/slides/slide3.xml><?xml version="1.0" encoding="utf-8"?>
+<p:sld xmlns:a="http://schemas.openxmlformats.org/drawingml/2006/main" xmlns:r="http://schemas.openxmlformats.org/officeDocument/2006/relationships" xmlns:p="http://schemas.openxmlformats.org/presentationml/2006/main">
+  <p:cSld>
+    <p:spTree>
+      <p:nvGrpSpPr>
+        <p:cNvPr id="1" name=""/>
+        <p:cNvGrpSpPr/>
+        <p:nvPr/>
+      </p:nvGrpSpPr>
+      <p:grpSpPr>
+        <a:xfrm>
+          <a:off x="0" y="0"/>
+          <a:ext cx="0" cy="0"/>
+          <a:chOff x="0" y="0"/>
+          <a:chExt cx="0" cy="0"/>
+        </a:xfrm>
+      </p:grpSpPr>
+      <p:sp>
+        <p:nvSpPr>
+          <p:cNvPr id="2" name="Title 1"/>
+          <p:cNvSpPr>
+            <a:spLocks noGrp="1"/>
+          </p:cNvSpPr>
+          <p:nvPr>
+            <p:ph type="ctrTitle"/>
+          </p:nvPr>
+        </p:nvSpPr>
+        <p:spPr/>
+        <p:txBody>
+          <a:bodyPr/>
+          <a:lstStyle/>
+          <a:p>
+            <a:r>
+              <a:rPr lang="en-US" dirty="0" smtClean="0"/>
+              <a:t>Algebra 4</a:t>
+            </a:r>
+            <a:endParaRPr lang="en-US" dirty="0"/>
+          </a:p>
+        </p:txBody>
+      </p:sp>
+      <p:sp>
+        <p:nvSpPr>
+          <p:cNvPr id="3" name="Subtitle 2"/>
+          <p:cNvSpPr>
+            <a:spLocks noGrp="1"/>
+          </p:cNvSpPr>
+          <p:nvPr>
+            <p:ph type="subTitle" idx="1"/>
+          </p:nvPr>
+        </p:nvSpPr>
+        <p:spPr/>
+        <p:txBody>
+          <a:bodyPr/>
+          <a:lstStyle/>
+          <a:p>
+            <a:r>
+              <a:rPr lang="en-US" smtClean="0"/>
+              <a:t>Day 73</a:t>
+            </a:r>
+            <a:endParaRPr lang="en-US" dirty="0"/>
+          </a:p>
+        </p:txBody>
+      </p:sp>
+    </p:spTree>
+    <p:extLst>
+      <p:ext uri="{BB962C8B-B14F-4D97-AF65-F5344CB8AC3E}">
+        <p14:creationId xmlns:p14="http://schemas.microsoft.com/office/powerpoint/2010/main" val="1580792776"/>
+      </p:ext>
+    </p:extLst>
+  </p:cSld>
+  <p:clrMapOvr>
+    <a:masterClrMapping/>
+  </p:clrMapOvr>
+  <p:timing>
+    <p:tnLst>
+      <p:par>
+        <p:cTn id="1" dur="indefinite" restart="never" nodeType="tmRoot"/>
+      </p:par>
+    </p:tnLst>
+  </p:timing>
+</p:sld>
+</file>
+
+<file path=ppt/slides/slide4.xml><?xml version="1.0" encoding="utf-8"?>
+<p:sld xmlns:a="http://schemas.openxmlformats.org/drawingml/2006/main" xmlns:r="http://schemas.openxmlformats.org/officeDocument/2006/relationships" xmlns:p="http://schemas.openxmlformats.org/presentationml/2006/main">
+  <p:cSld>
+    <p:spTree>
+      <p:nvGrpSpPr>
+        <p:cNvPr id="1" name=""/>
+        <p:cNvGrpSpPr/>
+        <p:nvPr/>
+      </p:nvGrpSpPr>
+      <p:grpSpPr>
+        <a:xfrm>
+          <a:off x="0" y="0"/>
+          <a:ext cx="0" cy="0"/>
+          <a:chOff x="0" y="0"/>
+          <a:chExt cx="0" cy="0"/>
+        </a:xfrm>
+      </p:grpSpPr>
+      <p:sp>
+        <p:nvSpPr>
+          <p:cNvPr id="2" name="Title 1"/>
+          <p:cNvSpPr>
+            <a:spLocks noGrp="1"/>
+          </p:cNvSpPr>
+          <p:nvPr>
+            <p:ph type="title"/>
+          </p:nvPr>
+        </p:nvSpPr>
         <p:spPr/>
         <p:txBody>
           <a:bodyPr/>
@@ -4791,10 +7533,17 @@
   <p:clrMapOvr>
     <a:masterClrMapping/>
   </p:clrMapOvr>
+  <p:timing>
+    <p:tnLst>
+      <p:par>
+        <p:cTn id="1" dur="indefinite" restart="never" nodeType="tmRoot"/>
+      </p:par>
+    </p:tnLst>
+  </p:timing>
 </p:sld>
 </file>
 
-<file path=ppt/slides/slide3.xml><?xml version="1.0" encoding="utf-8"?>
+<file path=ppt/slides/slide5.xml><?xml version="1.0" encoding="utf-8"?>
 <p:sld xmlns:a="http://schemas.openxmlformats.org/drawingml/2006/main" xmlns:r="http://schemas.openxmlformats.org/officeDocument/2006/relationships" xmlns:p="http://schemas.openxmlformats.org/presentationml/2006/main">
   <p:cSld>
     <p:spTree>
@@ -4911,10 +7660,17 @@
   <p:clrMapOvr>
     <a:masterClrMapping/>
   </p:clrMapOvr>
+  <p:timing>
+    <p:tnLst>
+      <p:par>
+        <p:cTn id="1" dur="indefinite" restart="never" nodeType="tmRoot"/>
+      </p:par>
+    </p:tnLst>
+  </p:timing>
 </p:sld>
 </file>
 
-<file path=ppt/slides/slide4.xml><?xml version="1.0" encoding="utf-8"?>
+<file path=ppt/slides/slide6.xml><?xml version="1.0" encoding="utf-8"?>
 <p:sld xmlns:a="http://schemas.openxmlformats.org/drawingml/2006/main" xmlns:r="http://schemas.openxmlformats.org/officeDocument/2006/relationships" xmlns:p="http://schemas.openxmlformats.org/presentationml/2006/main">
   <p:cSld>
     <p:spTree>
@@ -5508,10 +8264,17 @@
   <p:clrMapOvr>
     <a:masterClrMapping/>
   </p:clrMapOvr>
+  <p:timing>
+    <p:tnLst>
+      <p:par>
+        <p:cTn id="1" dur="indefinite" restart="never" nodeType="tmRoot"/>
+      </p:par>
+    </p:tnLst>
+  </p:timing>
 </p:sld>
 </file>
 
-<file path=ppt/slides/slide5.xml><?xml version="1.0" encoding="utf-8"?>
+<file path=ppt/slides/slide7.xml><?xml version="1.0" encoding="utf-8"?>
 <p:sld xmlns:a="http://schemas.openxmlformats.org/drawingml/2006/main" xmlns:r="http://schemas.openxmlformats.org/officeDocument/2006/relationships" xmlns:p="http://schemas.openxmlformats.org/presentationml/2006/main">
   <p:cSld>
     <p:spTree>
@@ -5772,10 +8535,17 @@
   <p:clrMapOvr>
     <a:masterClrMapping/>
   </p:clrMapOvr>
+  <p:timing>
+    <p:tnLst>
+      <p:par>
+        <p:cTn id="1" dur="indefinite" restart="never" nodeType="tmRoot"/>
+      </p:par>
+    </p:tnLst>
+  </p:timing>
 </p:sld>
 </file>
 
-<file path=ppt/slides/slide6.xml><?xml version="1.0" encoding="utf-8"?>
+<file path=ppt/slides/slide8.xml><?xml version="1.0" encoding="utf-8"?>
 <p:sld xmlns:a="http://schemas.openxmlformats.org/drawingml/2006/main" xmlns:r="http://schemas.openxmlformats.org/officeDocument/2006/relationships" xmlns:p="http://schemas.openxmlformats.org/presentationml/2006/main">
   <p:cSld>
     <p:spTree>
@@ -6131,10 +8901,17 @@
   <p:clrMapOvr>
     <a:masterClrMapping/>
   </p:clrMapOvr>
+  <p:timing>
+    <p:tnLst>
+      <p:par>
+        <p:cTn id="1" dur="indefinite" restart="never" nodeType="tmRoot"/>
+      </p:par>
+    </p:tnLst>
+  </p:timing>
 </p:sld>
 </file>
 
-<file path=ppt/slides/slide7.xml><?xml version="1.0" encoding="utf-8"?>
+<file path=ppt/slides/slide9.xml><?xml version="1.0" encoding="utf-8"?>
 <p:sld xmlns:a="http://schemas.openxmlformats.org/drawingml/2006/main" xmlns:r="http://schemas.openxmlformats.org/officeDocument/2006/relationships" xmlns:p="http://schemas.openxmlformats.org/presentationml/2006/main">
   <p:cSld>
     <p:spTree>
@@ -6245,1829 +9022,13 @@
   <p:clrMapOvr>
     <a:masterClrMapping/>
   </p:clrMapOvr>
-</p:sld>
-</file>
-
-<file path=ppt/slides/slide8.xml><?xml version="1.0" encoding="utf-8"?>
-<p:sld xmlns:a="http://schemas.openxmlformats.org/drawingml/2006/main" xmlns:r="http://schemas.openxmlformats.org/officeDocument/2006/relationships" xmlns:p="http://schemas.openxmlformats.org/presentationml/2006/main">
-  <p:cSld>
-    <p:spTree>
-      <p:nvGrpSpPr>
-        <p:cNvPr id="1" name=""/>
-        <p:cNvGrpSpPr/>
-        <p:nvPr/>
-      </p:nvGrpSpPr>
-      <p:grpSpPr>
-        <a:xfrm>
-          <a:off x="0" y="0"/>
-          <a:ext cx="0" cy="0"/>
-          <a:chOff x="0" y="0"/>
-          <a:chExt cx="0" cy="0"/>
-        </a:xfrm>
-      </p:grpSpPr>
-      <p:sp>
-        <p:nvSpPr>
-          <p:cNvPr id="2" name="Title 1"/>
-          <p:cNvSpPr>
-            <a:spLocks noGrp="1"/>
-          </p:cNvSpPr>
-          <p:nvPr>
-            <p:ph type="title"/>
-          </p:nvPr>
-        </p:nvSpPr>
-        <p:spPr/>
-        <p:txBody>
-          <a:bodyPr/>
-          <a:lstStyle/>
-          <a:p>
-            <a:r>
-              <a:rPr lang="en-US" b="1" u="sng" dirty="0" smtClean="0"/>
-              <a:t>Properties </a:t>
-            </a:r>
-            <a:r>
-              <a:rPr lang="en-US" b="1" u="sng" dirty="0"/>
-              <a:t>of Logarithms </a:t>
-            </a:r>
-            <a:endParaRPr lang="en-US" dirty="0"/>
-          </a:p>
-        </p:txBody>
-      </p:sp>
-      <mc:AlternateContent xmlns:mc="http://schemas.openxmlformats.org/markup-compatibility/2006" xmlns:a14="http://schemas.microsoft.com/office/drawing/2010/main">
-        <mc:Choice Requires="a14">
-          <p:sp>
-            <p:nvSpPr>
-              <p:cNvPr id="3" name="Content Placeholder 2"/>
-              <p:cNvSpPr>
-                <a:spLocks noGrp="1"/>
-              </p:cNvSpPr>
-              <p:nvPr>
-                <p:ph idx="1"/>
-              </p:nvPr>
-            </p:nvSpPr>
-            <p:spPr>
-              <a:xfrm>
-                <a:off x="764498" y="1693889"/>
-                <a:ext cx="10208302" cy="5036695"/>
-              </a:xfrm>
-            </p:spPr>
-            <p:txBody>
-              <a:bodyPr>
-                <a:normAutofit/>
-              </a:bodyPr>
-              <a:lstStyle/>
-              <a:p>
-                <a:pPr marL="0" indent="0">
-                  <a:buNone/>
-                </a:pPr>
-                <a14:m>
-                  <m:oMath xmlns:m="http://schemas.openxmlformats.org/officeDocument/2006/math">
-                    <m:func>
-                      <m:funcPr>
-                        <m:ctrlPr>
-                          <a:rPr lang="en-US" sz="4000" i="1" smtClean="0">
-                            <a:latin typeface="Cambria Math" panose="02040503050406030204" pitchFamily="18" charset="0"/>
-                          </a:rPr>
-                        </m:ctrlPr>
-                      </m:funcPr>
-                      <m:fName>
-                        <m:sSub>
-                          <m:sSubPr>
-                            <m:ctrlPr>
-                              <a:rPr lang="en-US" sz="4000" i="1" smtClean="0">
-                                <a:latin typeface="Cambria Math" panose="02040503050406030204" pitchFamily="18" charset="0"/>
-                              </a:rPr>
-                            </m:ctrlPr>
-                          </m:sSubPr>
-                          <m:e>
-                            <m:r>
-                              <m:rPr>
-                                <m:sty m:val="p"/>
-                              </m:rPr>
-                              <a:rPr lang="en-US" sz="4000">
-                                <a:latin typeface="Cambria Math" panose="02040503050406030204" pitchFamily="18" charset="0"/>
-                              </a:rPr>
-                              <m:t>log</m:t>
-                            </m:r>
-                          </m:e>
-                          <m:sub>
-                            <m:r>
-                              <a:rPr lang="en-US" sz="4000" i="1">
-                                <a:latin typeface="Cambria Math" panose="02040503050406030204" pitchFamily="18" charset="0"/>
-                              </a:rPr>
-                              <m:t>𝑎</m:t>
-                            </m:r>
-                          </m:sub>
-                        </m:sSub>
-                      </m:fName>
-                      <m:e>
-                        <m:r>
-                          <a:rPr lang="en-US" sz="4000" i="1">
-                            <a:latin typeface="Cambria Math" panose="02040503050406030204" pitchFamily="18" charset="0"/>
-                          </a:rPr>
-                          <m:t>1=0</m:t>
-                        </m:r>
-                      </m:e>
-                    </m:func>
-                  </m:oMath>
-                </a14:m>
-                <a:r>
-                  <a:rPr lang="en-US" sz="4000" dirty="0"/>
-                  <a:t>        </a:t>
-                </a:r>
-                <a:r>
-                  <a:rPr lang="en-US" sz="4000" dirty="0">
-                    <a:sym typeface="Wingdings" panose="05000000000000000000" pitchFamily="2" charset="2"/>
-                  </a:rPr>
-                  <a:t></a:t>
-                </a:r>
-                <a:r>
-                  <a:rPr lang="en-US" sz="4000" dirty="0"/>
-                  <a:t> </a:t>
-                </a:r>
-                <a14:m>
-                  <m:oMath xmlns:m="http://schemas.openxmlformats.org/officeDocument/2006/math">
-                    <m:sSup>
-                      <m:sSupPr>
-                        <m:ctrlPr>
-                          <a:rPr lang="en-US" sz="4000" i="1">
-                            <a:latin typeface="Cambria Math" panose="02040503050406030204" pitchFamily="18" charset="0"/>
-                          </a:rPr>
-                        </m:ctrlPr>
-                      </m:sSupPr>
-                      <m:e>
-                        <m:r>
-                          <a:rPr lang="en-US" sz="4000" i="1">
-                            <a:latin typeface="Cambria Math" panose="02040503050406030204" pitchFamily="18" charset="0"/>
-                          </a:rPr>
-                          <m:t>𝑎</m:t>
-                        </m:r>
-                      </m:e>
-                      <m:sup>
-                        <m:r>
-                          <a:rPr lang="en-US" sz="4000" i="1">
-                            <a:latin typeface="Cambria Math" panose="02040503050406030204" pitchFamily="18" charset="0"/>
-                          </a:rPr>
-                          <m:t>0</m:t>
-                        </m:r>
-                      </m:sup>
-                    </m:sSup>
-                    <m:r>
-                      <a:rPr lang="en-US" sz="4000" i="1">
-                        <a:latin typeface="Cambria Math" panose="02040503050406030204" pitchFamily="18" charset="0"/>
-                      </a:rPr>
-                      <m:t>=1</m:t>
-                    </m:r>
-                  </m:oMath>
-                </a14:m>
-                <a:endParaRPr lang="en-US" sz="4000" dirty="0"/>
-              </a:p>
-              <a:p>
-                <a:pPr marL="0" indent="0">
-                  <a:buNone/>
-                </a:pPr>
-                <a:r>
-                  <a:rPr lang="en-US" sz="4000" dirty="0"/>
-                  <a:t> </a:t>
-                </a:r>
-              </a:p>
-              <a:p>
-                <a:pPr marL="0" indent="0">
-                  <a:buNone/>
-                </a:pPr>
-                <a14:m>
-                  <m:oMath xmlns:m="http://schemas.openxmlformats.org/officeDocument/2006/math">
-                    <m:func>
-                      <m:funcPr>
-                        <m:ctrlPr>
-                          <a:rPr lang="en-US" sz="4000" i="1">
-                            <a:latin typeface="Cambria Math" panose="02040503050406030204" pitchFamily="18" charset="0"/>
-                          </a:rPr>
-                        </m:ctrlPr>
-                      </m:funcPr>
-                      <m:fName>
-                        <m:sSub>
-                          <m:sSubPr>
-                            <m:ctrlPr>
-                              <a:rPr lang="en-US" sz="4000" i="1">
-                                <a:latin typeface="Cambria Math" panose="02040503050406030204" pitchFamily="18" charset="0"/>
-                              </a:rPr>
-                            </m:ctrlPr>
-                          </m:sSubPr>
-                          <m:e>
-                            <m:r>
-                              <m:rPr>
-                                <m:sty m:val="p"/>
-                              </m:rPr>
-                              <a:rPr lang="en-US" sz="4000">
-                                <a:latin typeface="Cambria Math" panose="02040503050406030204" pitchFamily="18" charset="0"/>
-                              </a:rPr>
-                              <m:t>log</m:t>
-                            </m:r>
-                          </m:e>
-                          <m:sub>
-                            <m:r>
-                              <a:rPr lang="en-US" sz="4000" i="1">
-                                <a:latin typeface="Cambria Math" panose="02040503050406030204" pitchFamily="18" charset="0"/>
-                              </a:rPr>
-                              <m:t>𝑎</m:t>
-                            </m:r>
-                          </m:sub>
-                        </m:sSub>
-                      </m:fName>
-                      <m:e>
-                        <m:r>
-                          <a:rPr lang="en-US" sz="4000" i="1">
-                            <a:latin typeface="Cambria Math" panose="02040503050406030204" pitchFamily="18" charset="0"/>
-                          </a:rPr>
-                          <m:t>𝑎</m:t>
-                        </m:r>
-                        <m:r>
-                          <a:rPr lang="en-US" sz="4000" i="1">
-                            <a:latin typeface="Cambria Math" panose="02040503050406030204" pitchFamily="18" charset="0"/>
-                          </a:rPr>
-                          <m:t>=1</m:t>
-                        </m:r>
-                      </m:e>
-                    </m:func>
-                  </m:oMath>
-                </a14:m>
-                <a:r>
-                  <a:rPr lang="en-US" sz="4000" dirty="0"/>
-                  <a:t>        </a:t>
-                </a:r>
-                <a:r>
-                  <a:rPr lang="en-US" sz="4000" dirty="0">
-                    <a:sym typeface="Wingdings" panose="05000000000000000000" pitchFamily="2" charset="2"/>
-                  </a:rPr>
-                  <a:t></a:t>
-                </a:r>
-                <a:r>
-                  <a:rPr lang="en-US" sz="4000" dirty="0"/>
-                  <a:t> </a:t>
-                </a:r>
-                <a14:m>
-                  <m:oMath xmlns:m="http://schemas.openxmlformats.org/officeDocument/2006/math">
-                    <m:sSup>
-                      <m:sSupPr>
-                        <m:ctrlPr>
-                          <a:rPr lang="en-US" sz="4000" i="1">
-                            <a:latin typeface="Cambria Math" panose="02040503050406030204" pitchFamily="18" charset="0"/>
-                          </a:rPr>
-                        </m:ctrlPr>
-                      </m:sSupPr>
-                      <m:e>
-                        <m:r>
-                          <a:rPr lang="en-US" sz="4000" i="1">
-                            <a:latin typeface="Cambria Math" panose="02040503050406030204" pitchFamily="18" charset="0"/>
-                          </a:rPr>
-                          <m:t>𝑎</m:t>
-                        </m:r>
-                      </m:e>
-                      <m:sup>
-                        <m:r>
-                          <a:rPr lang="en-US" sz="4000" i="1">
-                            <a:latin typeface="Cambria Math" panose="02040503050406030204" pitchFamily="18" charset="0"/>
-                          </a:rPr>
-                          <m:t>1</m:t>
-                        </m:r>
-                      </m:sup>
-                    </m:sSup>
-                    <m:r>
-                      <a:rPr lang="en-US" sz="4000" i="1">
-                        <a:latin typeface="Cambria Math" panose="02040503050406030204" pitchFamily="18" charset="0"/>
-                      </a:rPr>
-                      <m:t>=</m:t>
-                    </m:r>
-                    <m:r>
-                      <a:rPr lang="en-US" sz="4000" i="1">
-                        <a:latin typeface="Cambria Math" panose="02040503050406030204" pitchFamily="18" charset="0"/>
-                      </a:rPr>
-                      <m:t>𝑎</m:t>
-                    </m:r>
-                  </m:oMath>
-                </a14:m>
-                <a:endParaRPr lang="en-US" sz="4000" dirty="0"/>
-              </a:p>
-              <a:p>
-                <a:pPr marL="0" indent="0">
-                  <a:buNone/>
-                </a:pPr>
-                <a:r>
-                  <a:rPr lang="en-US" sz="4000" dirty="0"/>
-                  <a:t> </a:t>
-                </a:r>
-              </a:p>
-              <a:p>
-                <a:pPr marL="0" indent="0">
-                  <a:buNone/>
-                </a:pPr>
-                <a14:m>
-                  <m:oMath xmlns:m="http://schemas.openxmlformats.org/officeDocument/2006/math">
-                    <m:func>
-                      <m:funcPr>
-                        <m:ctrlPr>
-                          <a:rPr lang="en-US" sz="4000" i="1">
-                            <a:latin typeface="Cambria Math" panose="02040503050406030204" pitchFamily="18" charset="0"/>
-                          </a:rPr>
-                        </m:ctrlPr>
-                      </m:funcPr>
-                      <m:fName>
-                        <m:sSub>
-                          <m:sSubPr>
-                            <m:ctrlPr>
-                              <a:rPr lang="en-US" sz="4000" i="1">
-                                <a:latin typeface="Cambria Math" panose="02040503050406030204" pitchFamily="18" charset="0"/>
-                              </a:rPr>
-                            </m:ctrlPr>
-                          </m:sSubPr>
-                          <m:e>
-                            <m:r>
-                              <m:rPr>
-                                <m:sty m:val="p"/>
-                              </m:rPr>
-                              <a:rPr lang="en-US" sz="4000">
-                                <a:latin typeface="Cambria Math" panose="02040503050406030204" pitchFamily="18" charset="0"/>
-                              </a:rPr>
-                              <m:t>log</m:t>
-                            </m:r>
-                          </m:e>
-                          <m:sub>
-                            <m:r>
-                              <a:rPr lang="en-US" sz="4000" i="1">
-                                <a:latin typeface="Cambria Math" panose="02040503050406030204" pitchFamily="18" charset="0"/>
-                              </a:rPr>
-                              <m:t>𝑎</m:t>
-                            </m:r>
-                          </m:sub>
-                        </m:sSub>
-                      </m:fName>
-                      <m:e>
-                        <m:sSup>
-                          <m:sSupPr>
-                            <m:ctrlPr>
-                              <a:rPr lang="en-US" sz="4000" i="1">
-                                <a:latin typeface="Cambria Math" panose="02040503050406030204" pitchFamily="18" charset="0"/>
-                              </a:rPr>
-                            </m:ctrlPr>
-                          </m:sSupPr>
-                          <m:e>
-                            <m:r>
-                              <a:rPr lang="en-US" sz="4000" i="1">
-                                <a:latin typeface="Cambria Math" panose="02040503050406030204" pitchFamily="18" charset="0"/>
-                              </a:rPr>
-                              <m:t>𝑎</m:t>
-                            </m:r>
-                          </m:e>
-                          <m:sup>
-                            <m:r>
-                              <a:rPr lang="en-US" sz="4000" i="1">
-                                <a:latin typeface="Cambria Math" panose="02040503050406030204" pitchFamily="18" charset="0"/>
-                              </a:rPr>
-                              <m:t>𝑥</m:t>
-                            </m:r>
-                          </m:sup>
-                        </m:sSup>
-                        <m:r>
-                          <a:rPr lang="en-US" sz="4000" i="1">
-                            <a:latin typeface="Cambria Math" panose="02040503050406030204" pitchFamily="18" charset="0"/>
-                          </a:rPr>
-                          <m:t>=</m:t>
-                        </m:r>
-                        <m:r>
-                          <a:rPr lang="en-US" sz="4000" i="1">
-                            <a:latin typeface="Cambria Math" panose="02040503050406030204" pitchFamily="18" charset="0"/>
-                          </a:rPr>
-                          <m:t>𝑥</m:t>
-                        </m:r>
-                      </m:e>
-                    </m:func>
-                  </m:oMath>
-                </a14:m>
-                <a:r>
-                  <a:rPr lang="en-US" sz="4000" dirty="0"/>
-                  <a:t>      </a:t>
-                </a:r>
-                <a:r>
-                  <a:rPr lang="en-US" sz="4000" dirty="0">
-                    <a:sym typeface="Wingdings" panose="05000000000000000000" pitchFamily="2" charset="2"/>
-                  </a:rPr>
-                  <a:t></a:t>
-                </a:r>
-                <a:r>
-                  <a:rPr lang="en-US" sz="4000" dirty="0"/>
-                  <a:t> </a:t>
-                </a:r>
-                <a14:m>
-                  <m:oMath xmlns:m="http://schemas.openxmlformats.org/officeDocument/2006/math">
-                    <m:sSup>
-                      <m:sSupPr>
-                        <m:ctrlPr>
-                          <a:rPr lang="en-US" sz="4000" i="1">
-                            <a:latin typeface="Cambria Math" panose="02040503050406030204" pitchFamily="18" charset="0"/>
-                          </a:rPr>
-                        </m:ctrlPr>
-                      </m:sSupPr>
-                      <m:e>
-                        <m:r>
-                          <a:rPr lang="en-US" sz="4000" i="1">
-                            <a:latin typeface="Cambria Math" panose="02040503050406030204" pitchFamily="18" charset="0"/>
-                          </a:rPr>
-                          <m:t>𝑎</m:t>
-                        </m:r>
-                      </m:e>
-                      <m:sup>
-                        <m:func>
-                          <m:funcPr>
-                            <m:ctrlPr>
-                              <a:rPr lang="en-US" sz="4000" i="1">
-                                <a:latin typeface="Cambria Math" panose="02040503050406030204" pitchFamily="18" charset="0"/>
-                              </a:rPr>
-                            </m:ctrlPr>
-                          </m:funcPr>
-                          <m:fName>
-                            <m:sSub>
-                              <m:sSubPr>
-                                <m:ctrlPr>
-                                  <a:rPr lang="en-US" sz="4000" i="1">
-                                    <a:latin typeface="Cambria Math" panose="02040503050406030204" pitchFamily="18" charset="0"/>
-                                  </a:rPr>
-                                </m:ctrlPr>
-                              </m:sSubPr>
-                              <m:e>
-                                <m:r>
-                                  <m:rPr>
-                                    <m:sty m:val="p"/>
-                                  </m:rPr>
-                                  <a:rPr lang="en-US" sz="4000">
-                                    <a:latin typeface="Cambria Math" panose="02040503050406030204" pitchFamily="18" charset="0"/>
-                                  </a:rPr>
-                                  <m:t>log</m:t>
-                                </m:r>
-                              </m:e>
-                              <m:sub>
-                                <m:r>
-                                  <a:rPr lang="en-US" sz="4000" i="1">
-                                    <a:latin typeface="Cambria Math" panose="02040503050406030204" pitchFamily="18" charset="0"/>
-                                  </a:rPr>
-                                  <m:t>𝑎</m:t>
-                                </m:r>
-                              </m:sub>
-                            </m:sSub>
-                          </m:fName>
-                          <m:e>
-                            <m:r>
-                              <a:rPr lang="en-US" sz="4000" i="1">
-                                <a:latin typeface="Cambria Math" panose="02040503050406030204" pitchFamily="18" charset="0"/>
-                              </a:rPr>
-                              <m:t>𝑥</m:t>
-                            </m:r>
-                          </m:e>
-                        </m:func>
-                      </m:sup>
-                    </m:sSup>
-                    <m:r>
-                      <a:rPr lang="en-US" sz="4000" i="1">
-                        <a:latin typeface="Cambria Math" panose="02040503050406030204" pitchFamily="18" charset="0"/>
-                      </a:rPr>
-                      <m:t>=</m:t>
-                    </m:r>
-                    <m:r>
-                      <a:rPr lang="en-US" sz="4000" i="1">
-                        <a:latin typeface="Cambria Math" panose="02040503050406030204" pitchFamily="18" charset="0"/>
-                      </a:rPr>
-                      <m:t>𝑥</m:t>
-                    </m:r>
-                  </m:oMath>
-                </a14:m>
-                <a:endParaRPr lang="en-US" sz="4000" dirty="0"/>
-              </a:p>
-              <a:p>
-                <a:pPr marL="0" indent="0">
-                  <a:buNone/>
-                </a:pPr>
-                <a:r>
-                  <a:rPr lang="en-US" sz="4000" dirty="0"/>
-                  <a:t> </a:t>
-                </a:r>
-              </a:p>
-              <a:p>
-                <a:pPr marL="0" indent="0">
-                  <a:buNone/>
-                </a:pPr>
-                <a14:m>
-                  <m:oMathPara xmlns:m="http://schemas.openxmlformats.org/officeDocument/2006/math">
-                    <m:oMathParaPr>
-                      <m:jc m:val="left"/>
-                    </m:oMathParaPr>
-                    <m:oMath xmlns:m="http://schemas.openxmlformats.org/officeDocument/2006/math">
-                      <m:func>
-                        <m:funcPr>
-                          <m:ctrlPr>
-                            <a:rPr lang="en-US" sz="4000" i="1">
-                              <a:latin typeface="Cambria Math" panose="02040503050406030204" pitchFamily="18" charset="0"/>
-                            </a:rPr>
-                          </m:ctrlPr>
-                        </m:funcPr>
-                        <m:fName>
-                          <m:sSub>
-                            <m:sSubPr>
-                              <m:ctrlPr>
-                                <a:rPr lang="en-US" sz="4000" i="1">
-                                  <a:latin typeface="Cambria Math" panose="02040503050406030204" pitchFamily="18" charset="0"/>
-                                </a:rPr>
-                              </m:ctrlPr>
-                            </m:sSubPr>
-                            <m:e>
-                              <m:r>
-                                <m:rPr>
-                                  <m:sty m:val="p"/>
-                                </m:rPr>
-                                <a:rPr lang="en-US" sz="4000">
-                                  <a:latin typeface="Cambria Math" panose="02040503050406030204" pitchFamily="18" charset="0"/>
-                                </a:rPr>
-                                <m:t>log</m:t>
-                              </m:r>
-                            </m:e>
-                            <m:sub>
-                              <m:r>
-                                <a:rPr lang="en-US" sz="4000" i="1">
-                                  <a:latin typeface="Cambria Math" panose="02040503050406030204" pitchFamily="18" charset="0"/>
-                                </a:rPr>
-                                <m:t>𝑎</m:t>
-                              </m:r>
-                            </m:sub>
-                          </m:sSub>
-                        </m:fName>
-                        <m:e>
-                          <m:r>
-                            <a:rPr lang="en-US" sz="4000" i="1">
-                              <a:latin typeface="Cambria Math" panose="02040503050406030204" pitchFamily="18" charset="0"/>
-                            </a:rPr>
-                            <m:t>𝑥</m:t>
-                          </m:r>
-                          <m:r>
-                            <a:rPr lang="en-US" sz="4000" i="1">
-                              <a:latin typeface="Cambria Math" panose="02040503050406030204" pitchFamily="18" charset="0"/>
-                            </a:rPr>
-                            <m:t>=</m:t>
-                          </m:r>
-                        </m:e>
-                      </m:func>
-                      <m:func>
-                        <m:funcPr>
-                          <m:ctrlPr>
-                            <a:rPr lang="en-US" sz="4000" i="1" smtClean="0">
-                              <a:latin typeface="Cambria Math" panose="02040503050406030204" pitchFamily="18" charset="0"/>
-                            </a:rPr>
-                          </m:ctrlPr>
-                        </m:funcPr>
-                        <m:fName>
-                          <m:sSub>
-                            <m:sSubPr>
-                              <m:ctrlPr>
-                                <a:rPr lang="en-US" sz="4000" i="1">
-                                  <a:latin typeface="Cambria Math" panose="02040503050406030204" pitchFamily="18" charset="0"/>
-                                </a:rPr>
-                              </m:ctrlPr>
-                            </m:sSubPr>
-                            <m:e>
-                              <m:r>
-                                <m:rPr>
-                                  <m:sty m:val="p"/>
-                                </m:rPr>
-                                <a:rPr lang="en-US" sz="4000">
-                                  <a:latin typeface="Cambria Math" panose="02040503050406030204" pitchFamily="18" charset="0"/>
-                                </a:rPr>
-                                <m:t>log</m:t>
-                              </m:r>
-                            </m:e>
-                            <m:sub>
-                              <m:r>
-                                <a:rPr lang="en-US" sz="4000" i="1">
-                                  <a:latin typeface="Cambria Math" panose="02040503050406030204" pitchFamily="18" charset="0"/>
-                                </a:rPr>
-                                <m:t>𝑎</m:t>
-                              </m:r>
-                            </m:sub>
-                          </m:sSub>
-                        </m:fName>
-                        <m:e>
-                          <m:r>
-                            <a:rPr lang="en-US" sz="4000" i="1">
-                              <a:latin typeface="Cambria Math" panose="02040503050406030204" pitchFamily="18" charset="0"/>
-                            </a:rPr>
-                            <m:t>𝑦</m:t>
-                          </m:r>
-                          <m:r>
-                            <a:rPr lang="en-US" sz="4000" i="1">
-                              <a:latin typeface="Cambria Math" panose="02040503050406030204" pitchFamily="18" charset="0"/>
-                            </a:rPr>
-                            <m:t>=</m:t>
-                          </m:r>
-                        </m:e>
-                      </m:func>
-                      <m:r>
-                        <a:rPr lang="en-US" sz="4000" i="1">
-                          <a:latin typeface="Cambria Math" panose="02040503050406030204" pitchFamily="18" charset="0"/>
-                        </a:rPr>
-                        <m:t>&gt;</m:t>
-                      </m:r>
-                      <m:r>
-                        <a:rPr lang="en-US" sz="4000" i="1">
-                          <a:latin typeface="Cambria Math" panose="02040503050406030204" pitchFamily="18" charset="0"/>
-                        </a:rPr>
-                        <m:t>𝑥</m:t>
-                      </m:r>
-                      <m:r>
-                        <a:rPr lang="en-US" sz="4000" i="1">
-                          <a:latin typeface="Cambria Math" panose="02040503050406030204" pitchFamily="18" charset="0"/>
-                        </a:rPr>
-                        <m:t>=</m:t>
-                      </m:r>
-                      <m:r>
-                        <a:rPr lang="en-US" sz="4000" i="1">
-                          <a:latin typeface="Cambria Math" panose="02040503050406030204" pitchFamily="18" charset="0"/>
-                        </a:rPr>
-                        <m:t>𝑦</m:t>
-                      </m:r>
-                    </m:oMath>
-                  </m:oMathPara>
-                </a14:m>
-                <a:endParaRPr lang="en-US" sz="4000" dirty="0"/>
-              </a:p>
-              <a:p>
-                <a:pPr marL="0" indent="0">
-                  <a:buNone/>
-                </a:pPr>
-                <a:endParaRPr lang="en-US" dirty="0"/>
-              </a:p>
-            </p:txBody>
-          </p:sp>
-        </mc:Choice>
-        <mc:Fallback xmlns="">
-          <p:sp>
-            <p:nvSpPr>
-              <p:cNvPr id="3" name="Content Placeholder 2"/>
-              <p:cNvSpPr>
-                <a:spLocks noGrp="1" noRot="1" noChangeAspect="1" noMove="1" noResize="1" noEditPoints="1" noAdjustHandles="1" noChangeArrowheads="1" noChangeShapeType="1" noTextEdit="1"/>
-              </p:cNvSpPr>
-              <p:nvPr>
-                <p:ph idx="1"/>
-              </p:nvPr>
-            </p:nvSpPr>
-            <p:spPr>
-              <a:xfrm>
-                <a:off x="764498" y="1693889"/>
-                <a:ext cx="10208302" cy="5036695"/>
-              </a:xfrm>
-              <a:blipFill rotWithShape="0">
-                <a:blip r:embed="rId2"/>
-                <a:stretch>
-                  <a:fillRect t="-2906"/>
-                </a:stretch>
-              </a:blipFill>
-            </p:spPr>
-            <p:txBody>
-              <a:bodyPr/>
-              <a:lstStyle/>
-              <a:p>
-                <a:r>
-                  <a:rPr lang="en-US">
-                    <a:noFill/>
-                  </a:rPr>
-                  <a:t> </a:t>
-                </a:r>
-              </a:p>
-            </p:txBody>
-          </p:sp>
-        </mc:Fallback>
-      </mc:AlternateContent>
-    </p:spTree>
-    <p:extLst>
-      <p:ext uri="{BB962C8B-B14F-4D97-AF65-F5344CB8AC3E}">
-        <p14:creationId xmlns:p14="http://schemas.microsoft.com/office/powerpoint/2010/main" val="4225393038"/>
-      </p:ext>
-    </p:extLst>
-  </p:cSld>
-  <p:clrMapOvr>
-    <a:masterClrMapping/>
-  </p:clrMapOvr>
-</p:sld>
-</file>
-
-<file path=ppt/slides/slide9.xml><?xml version="1.0" encoding="utf-8"?>
-<p:sld xmlns:a="http://schemas.openxmlformats.org/drawingml/2006/main" xmlns:r="http://schemas.openxmlformats.org/officeDocument/2006/relationships" xmlns:p="http://schemas.openxmlformats.org/presentationml/2006/main">
-  <p:cSld>
-    <p:spTree>
-      <p:nvGrpSpPr>
-        <p:cNvPr id="1" name=""/>
-        <p:cNvGrpSpPr/>
-        <p:nvPr/>
-      </p:nvGrpSpPr>
-      <p:grpSpPr>
-        <a:xfrm>
-          <a:off x="0" y="0"/>
-          <a:ext cx="0" cy="0"/>
-          <a:chOff x="0" y="0"/>
-          <a:chExt cx="0" cy="0"/>
-        </a:xfrm>
-      </p:grpSpPr>
-      <p:sp>
-        <p:nvSpPr>
-          <p:cNvPr id="2" name="Title 1"/>
-          <p:cNvSpPr>
-            <a:spLocks noGrp="1"/>
-          </p:cNvSpPr>
-          <p:nvPr>
-            <p:ph type="title"/>
-          </p:nvPr>
-        </p:nvSpPr>
-        <p:spPr/>
-        <p:txBody>
-          <a:bodyPr/>
-          <a:lstStyle/>
-          <a:p>
-            <a:r>
-              <a:rPr lang="en-US" dirty="0" smtClean="0"/>
-              <a:t>More Properties</a:t>
-            </a:r>
-            <a:endParaRPr lang="en-US" dirty="0"/>
-          </a:p>
-        </p:txBody>
-      </p:sp>
-      <mc:AlternateContent xmlns:mc="http://schemas.openxmlformats.org/markup-compatibility/2006" xmlns:a14="http://schemas.microsoft.com/office/drawing/2010/main">
-        <mc:Choice Requires="a14">
-          <p:sp>
-            <p:nvSpPr>
-              <p:cNvPr id="3" name="Content Placeholder 2"/>
-              <p:cNvSpPr>
-                <a:spLocks noGrp="1"/>
-              </p:cNvSpPr>
-              <p:nvPr>
-                <p:ph idx="1"/>
-              </p:nvPr>
-            </p:nvSpPr>
-            <p:spPr>
-              <a:xfrm>
-                <a:off x="779489" y="1469037"/>
-                <a:ext cx="11412511" cy="5276538"/>
-              </a:xfrm>
-            </p:spPr>
-            <p:txBody>
-              <a:bodyPr>
-                <a:normAutofit fontScale="92500"/>
-              </a:bodyPr>
-              <a:lstStyle/>
-              <a:p>
-                <a:pPr marL="0" indent="0">
-                  <a:buNone/>
-                </a:pPr>
-                <a:r>
-                  <a:rPr lang="en-US" sz="3400" b="1" u="sng" dirty="0" smtClean="0"/>
-                  <a:t>Change of Base: (not as important with our calculators)</a:t>
-                </a:r>
-                <a:endParaRPr lang="en-US" sz="3400" dirty="0"/>
-              </a:p>
-              <a:p>
-                <a:pPr marL="0" indent="0">
-                  <a:buNone/>
-                </a:pPr>
-                <a:r>
-                  <a:rPr lang="en-US" sz="3400" b="1" dirty="0"/>
-                  <a:t> </a:t>
-                </a:r>
-                <a:r>
-                  <a:rPr lang="en-US" sz="3400" dirty="0" smtClean="0"/>
-                  <a:t> </a:t>
-                </a:r>
-                <a14:m>
-                  <m:oMath xmlns:m="http://schemas.openxmlformats.org/officeDocument/2006/math">
-                    <m:func>
-                      <m:funcPr>
-                        <m:ctrlPr>
-                          <a:rPr lang="en-US" sz="3400" i="1">
-                            <a:latin typeface="Cambria Math" panose="02040503050406030204" pitchFamily="18" charset="0"/>
-                          </a:rPr>
-                        </m:ctrlPr>
-                      </m:funcPr>
-                      <m:fName>
-                        <m:sSub>
-                          <m:sSubPr>
-                            <m:ctrlPr>
-                              <a:rPr lang="en-US" sz="3400" i="1">
-                                <a:latin typeface="Cambria Math" panose="02040503050406030204" pitchFamily="18" charset="0"/>
-                              </a:rPr>
-                            </m:ctrlPr>
-                          </m:sSubPr>
-                          <m:e>
-                            <m:r>
-                              <m:rPr>
-                                <m:sty m:val="p"/>
-                              </m:rPr>
-                              <a:rPr lang="en-US" sz="3400">
-                                <a:latin typeface="Cambria Math" panose="02040503050406030204" pitchFamily="18" charset="0"/>
-                              </a:rPr>
-                              <m:t>log</m:t>
-                            </m:r>
-                          </m:e>
-                          <m:sub>
-                            <m:r>
-                              <m:rPr>
-                                <m:sty m:val="p"/>
-                              </m:rPr>
-                              <a:rPr lang="en-US" sz="3400">
-                                <a:latin typeface="Cambria Math" panose="02040503050406030204" pitchFamily="18" charset="0"/>
-                              </a:rPr>
-                              <m:t>a</m:t>
-                            </m:r>
-                          </m:sub>
-                        </m:sSub>
-                      </m:fName>
-                      <m:e>
-                        <m:r>
-                          <m:rPr>
-                            <m:sty m:val="p"/>
-                          </m:rPr>
-                          <a:rPr lang="en-US" sz="3400">
-                            <a:latin typeface="Cambria Math" panose="02040503050406030204" pitchFamily="18" charset="0"/>
-                          </a:rPr>
-                          <m:t>x</m:t>
-                        </m:r>
-                      </m:e>
-                    </m:func>
-                    <m:r>
-                      <a:rPr lang="en-US" sz="3400" i="1">
-                        <a:latin typeface="Cambria Math" panose="02040503050406030204" pitchFamily="18" charset="0"/>
-                      </a:rPr>
-                      <m:t>=</m:t>
-                    </m:r>
-                    <m:f>
-                      <m:fPr>
-                        <m:ctrlPr>
-                          <a:rPr lang="en-US" sz="3400" i="1">
-                            <a:latin typeface="Cambria Math" panose="02040503050406030204" pitchFamily="18" charset="0"/>
-                          </a:rPr>
-                        </m:ctrlPr>
-                      </m:fPr>
-                      <m:num>
-                        <m:func>
-                          <m:funcPr>
-                            <m:ctrlPr>
-                              <a:rPr lang="en-US" sz="3400" i="1">
-                                <a:latin typeface="Cambria Math" panose="02040503050406030204" pitchFamily="18" charset="0"/>
-                              </a:rPr>
-                            </m:ctrlPr>
-                          </m:funcPr>
-                          <m:fName>
-                            <m:sSub>
-                              <m:sSubPr>
-                                <m:ctrlPr>
-                                  <a:rPr lang="en-US" sz="3400" i="1">
-                                    <a:latin typeface="Cambria Math" panose="02040503050406030204" pitchFamily="18" charset="0"/>
-                                  </a:rPr>
-                                </m:ctrlPr>
-                              </m:sSubPr>
-                              <m:e>
-                                <m:r>
-                                  <m:rPr>
-                                    <m:sty m:val="p"/>
-                                  </m:rPr>
-                                  <a:rPr lang="en-US" sz="3400">
-                                    <a:latin typeface="Cambria Math" panose="02040503050406030204" pitchFamily="18" charset="0"/>
-                                  </a:rPr>
-                                  <m:t>log</m:t>
-                                </m:r>
-                              </m:e>
-                              <m:sub>
-                                <m:r>
-                                  <a:rPr lang="en-US" sz="3400" i="1">
-                                    <a:latin typeface="Cambria Math" panose="02040503050406030204" pitchFamily="18" charset="0"/>
-                                  </a:rPr>
-                                  <m:t>𝑏</m:t>
-                                </m:r>
-                              </m:sub>
-                            </m:sSub>
-                          </m:fName>
-                          <m:e>
-                            <m:r>
-                              <a:rPr lang="en-US" sz="3400" i="1">
-                                <a:latin typeface="Cambria Math" panose="02040503050406030204" pitchFamily="18" charset="0"/>
-                              </a:rPr>
-                              <m:t>𝑥</m:t>
-                            </m:r>
-                          </m:e>
-                        </m:func>
-                      </m:num>
-                      <m:den>
-                        <m:func>
-                          <m:funcPr>
-                            <m:ctrlPr>
-                              <a:rPr lang="en-US" sz="3400" i="1">
-                                <a:latin typeface="Cambria Math" panose="02040503050406030204" pitchFamily="18" charset="0"/>
-                              </a:rPr>
-                            </m:ctrlPr>
-                          </m:funcPr>
-                          <m:fName>
-                            <m:sSub>
-                              <m:sSubPr>
-                                <m:ctrlPr>
-                                  <a:rPr lang="en-US" sz="3400" i="1">
-                                    <a:latin typeface="Cambria Math" panose="02040503050406030204" pitchFamily="18" charset="0"/>
-                                  </a:rPr>
-                                </m:ctrlPr>
-                              </m:sSubPr>
-                              <m:e>
-                                <m:r>
-                                  <m:rPr>
-                                    <m:sty m:val="p"/>
-                                  </m:rPr>
-                                  <a:rPr lang="en-US" sz="3400">
-                                    <a:latin typeface="Cambria Math" panose="02040503050406030204" pitchFamily="18" charset="0"/>
-                                  </a:rPr>
-                                  <m:t>log</m:t>
-                                </m:r>
-                              </m:e>
-                              <m:sub>
-                                <m:r>
-                                  <a:rPr lang="en-US" sz="3400" i="1">
-                                    <a:latin typeface="Cambria Math" panose="02040503050406030204" pitchFamily="18" charset="0"/>
-                                  </a:rPr>
-                                  <m:t>𝑏</m:t>
-                                </m:r>
-                              </m:sub>
-                            </m:sSub>
-                          </m:fName>
-                          <m:e>
-                            <m:r>
-                              <a:rPr lang="en-US" sz="3400" i="1">
-                                <a:latin typeface="Cambria Math" panose="02040503050406030204" pitchFamily="18" charset="0"/>
-                              </a:rPr>
-                              <m:t>𝑎</m:t>
-                            </m:r>
-                          </m:e>
-                        </m:func>
-                      </m:den>
-                    </m:f>
-                  </m:oMath>
-                </a14:m>
-                <a:r>
-                  <a:rPr lang="en-US" sz="3400" dirty="0"/>
-                  <a:t>		</a:t>
-                </a:r>
-                <a:endParaRPr lang="en-US" sz="3400" dirty="0" smtClean="0"/>
-              </a:p>
-              <a:p>
-                <a:pPr marL="0" indent="0">
-                  <a:buNone/>
-                </a:pPr>
-                <a:endParaRPr lang="en-US" sz="3400" dirty="0"/>
-              </a:p>
-              <a:p>
-                <a:pPr marL="0" indent="0">
-                  <a:buNone/>
-                </a:pPr>
-                <a:r>
-                  <a:rPr lang="en-US" sz="3400" b="1" u="sng" dirty="0"/>
-                  <a:t>Product </a:t>
-                </a:r>
-                <a:r>
-                  <a:rPr lang="en-US" sz="3400" b="1" u="sng" dirty="0" smtClean="0"/>
-                  <a:t>Property</a:t>
-                </a:r>
-                <a:r>
-                  <a:rPr lang="en-US" sz="3400" b="1" dirty="0"/>
-                  <a:t> </a:t>
-                </a:r>
-                <a:r>
-                  <a:rPr lang="en-US" sz="3400" b="1" dirty="0" smtClean="0"/>
-                  <a:t>			</a:t>
-                </a:r>
-                <a:r>
-                  <a:rPr lang="en-US" sz="3400" b="1" u="sng" dirty="0"/>
-                  <a:t>Quotient </a:t>
-                </a:r>
-                <a:r>
-                  <a:rPr lang="en-US" sz="3400" b="1" u="sng" dirty="0" smtClean="0"/>
-                  <a:t>Property</a:t>
-                </a:r>
-                <a:endParaRPr lang="en-US" sz="3400" dirty="0"/>
-              </a:p>
-              <a:p>
-                <a:pPr marL="0" indent="0">
-                  <a:buNone/>
-                </a:pPr>
-                <a:r>
-                  <a:rPr lang="en-US" sz="3400" dirty="0"/>
-                  <a:t> </a:t>
-                </a:r>
-                <a14:m>
-                  <m:oMath xmlns:m="http://schemas.openxmlformats.org/officeDocument/2006/math">
-                    <m:func>
-                      <m:funcPr>
-                        <m:ctrlPr>
-                          <a:rPr lang="en-US" sz="3400" i="1">
-                            <a:latin typeface="Cambria Math" panose="02040503050406030204" pitchFamily="18" charset="0"/>
-                          </a:rPr>
-                        </m:ctrlPr>
-                      </m:funcPr>
-                      <m:fName>
-                        <m:sSub>
-                          <m:sSubPr>
-                            <m:ctrlPr>
-                              <a:rPr lang="en-US" sz="3400" i="1">
-                                <a:latin typeface="Cambria Math" panose="02040503050406030204" pitchFamily="18" charset="0"/>
-                              </a:rPr>
-                            </m:ctrlPr>
-                          </m:sSubPr>
-                          <m:e>
-                            <m:r>
-                              <m:rPr>
-                                <m:sty m:val="p"/>
-                              </m:rPr>
-                              <a:rPr lang="en-US" sz="3400">
-                                <a:latin typeface="Cambria Math" panose="02040503050406030204" pitchFamily="18" charset="0"/>
-                              </a:rPr>
-                              <m:t>log</m:t>
-                            </m:r>
-                          </m:e>
-                          <m:sub>
-                            <m:r>
-                              <m:rPr>
-                                <m:sty m:val="p"/>
-                              </m:rPr>
-                              <a:rPr lang="en-US" sz="3400">
-                                <a:latin typeface="Cambria Math" panose="02040503050406030204" pitchFamily="18" charset="0"/>
-                              </a:rPr>
-                              <m:t>a</m:t>
-                            </m:r>
-                          </m:sub>
-                        </m:sSub>
-                      </m:fName>
-                      <m:e>
-                        <m:r>
-                          <a:rPr lang="en-US" sz="3400">
-                            <a:latin typeface="Cambria Math" panose="02040503050406030204" pitchFamily="18" charset="0"/>
-                          </a:rPr>
-                          <m:t>(</m:t>
-                        </m:r>
-                        <m:r>
-                          <m:rPr>
-                            <m:sty m:val="p"/>
-                          </m:rPr>
-                          <a:rPr lang="en-US" sz="3400">
-                            <a:latin typeface="Cambria Math" panose="02040503050406030204" pitchFamily="18" charset="0"/>
-                          </a:rPr>
-                          <m:t>uv</m:t>
-                        </m:r>
-                        <m:r>
-                          <a:rPr lang="en-US" sz="3400">
-                            <a:latin typeface="Cambria Math" panose="02040503050406030204" pitchFamily="18" charset="0"/>
-                          </a:rPr>
-                          <m:t>)</m:t>
-                        </m:r>
-                      </m:e>
-                    </m:func>
-                    <m:r>
-                      <a:rPr lang="en-US" sz="3400" i="1">
-                        <a:latin typeface="Cambria Math" panose="02040503050406030204" pitchFamily="18" charset="0"/>
-                      </a:rPr>
-                      <m:t>=</m:t>
-                    </m:r>
-                    <m:func>
-                      <m:funcPr>
-                        <m:ctrlPr>
-                          <a:rPr lang="en-US" sz="3400" i="1">
-                            <a:latin typeface="Cambria Math" panose="02040503050406030204" pitchFamily="18" charset="0"/>
-                          </a:rPr>
-                        </m:ctrlPr>
-                      </m:funcPr>
-                      <m:fName>
-                        <m:sSub>
-                          <m:sSubPr>
-                            <m:ctrlPr>
-                              <a:rPr lang="en-US" sz="3400" i="1">
-                                <a:latin typeface="Cambria Math" panose="02040503050406030204" pitchFamily="18" charset="0"/>
-                              </a:rPr>
-                            </m:ctrlPr>
-                          </m:sSubPr>
-                          <m:e>
-                            <m:r>
-                              <m:rPr>
-                                <m:sty m:val="p"/>
-                              </m:rPr>
-                              <a:rPr lang="en-US" sz="3400">
-                                <a:latin typeface="Cambria Math" panose="02040503050406030204" pitchFamily="18" charset="0"/>
-                              </a:rPr>
-                              <m:t>log</m:t>
-                            </m:r>
-                          </m:e>
-                          <m:sub>
-                            <m:r>
-                              <m:rPr>
-                                <m:sty m:val="p"/>
-                              </m:rPr>
-                              <a:rPr lang="en-US" sz="3400">
-                                <a:latin typeface="Cambria Math" panose="02040503050406030204" pitchFamily="18" charset="0"/>
-                              </a:rPr>
-                              <m:t>a</m:t>
-                            </m:r>
-                          </m:sub>
-                        </m:sSub>
-                      </m:fName>
-                      <m:e>
-                        <m:r>
-                          <a:rPr lang="en-US" sz="3400">
-                            <a:latin typeface="Cambria Math" panose="02040503050406030204" pitchFamily="18" charset="0"/>
-                          </a:rPr>
-                          <m:t>(</m:t>
-                        </m:r>
-                        <m:r>
-                          <m:rPr>
-                            <m:sty m:val="p"/>
-                          </m:rPr>
-                          <a:rPr lang="en-US" sz="3400">
-                            <a:latin typeface="Cambria Math" panose="02040503050406030204" pitchFamily="18" charset="0"/>
-                          </a:rPr>
-                          <m:t>u</m:t>
-                        </m:r>
-                        <m:r>
-                          <a:rPr lang="en-US" sz="3400">
-                            <a:latin typeface="Cambria Math" panose="02040503050406030204" pitchFamily="18" charset="0"/>
-                          </a:rPr>
-                          <m:t>)</m:t>
-                        </m:r>
-                      </m:e>
-                    </m:func>
-                    <m:r>
-                      <a:rPr lang="en-US" sz="3400" i="1">
-                        <a:latin typeface="Cambria Math" panose="02040503050406030204" pitchFamily="18" charset="0"/>
-                      </a:rPr>
-                      <m:t>+</m:t>
-                    </m:r>
-                    <m:func>
-                      <m:funcPr>
-                        <m:ctrlPr>
-                          <a:rPr lang="en-US" sz="3400" i="1">
-                            <a:latin typeface="Cambria Math" panose="02040503050406030204" pitchFamily="18" charset="0"/>
-                          </a:rPr>
-                        </m:ctrlPr>
-                      </m:funcPr>
-                      <m:fName>
-                        <m:sSub>
-                          <m:sSubPr>
-                            <m:ctrlPr>
-                              <a:rPr lang="en-US" sz="3400" i="1">
-                                <a:latin typeface="Cambria Math" panose="02040503050406030204" pitchFamily="18" charset="0"/>
-                              </a:rPr>
-                            </m:ctrlPr>
-                          </m:sSubPr>
-                          <m:e>
-                            <m:r>
-                              <m:rPr>
-                                <m:sty m:val="p"/>
-                              </m:rPr>
-                              <a:rPr lang="en-US" sz="3400">
-                                <a:latin typeface="Cambria Math" panose="02040503050406030204" pitchFamily="18" charset="0"/>
-                              </a:rPr>
-                              <m:t>log</m:t>
-                            </m:r>
-                          </m:e>
-                          <m:sub>
-                            <m:r>
-                              <m:rPr>
-                                <m:sty m:val="p"/>
-                              </m:rPr>
-                              <a:rPr lang="en-US" sz="3400">
-                                <a:latin typeface="Cambria Math" panose="02040503050406030204" pitchFamily="18" charset="0"/>
-                              </a:rPr>
-                              <m:t>a</m:t>
-                            </m:r>
-                          </m:sub>
-                        </m:sSub>
-                      </m:fName>
-                      <m:e>
-                        <m:r>
-                          <a:rPr lang="en-US" sz="3400">
-                            <a:latin typeface="Cambria Math" panose="02040503050406030204" pitchFamily="18" charset="0"/>
-                          </a:rPr>
-                          <m:t>(</m:t>
-                        </m:r>
-                        <m:r>
-                          <m:rPr>
-                            <m:sty m:val="p"/>
-                          </m:rPr>
-                          <a:rPr lang="en-US" sz="3400">
-                            <a:latin typeface="Cambria Math" panose="02040503050406030204" pitchFamily="18" charset="0"/>
-                          </a:rPr>
-                          <m:t>v</m:t>
-                        </m:r>
-                        <m:r>
-                          <a:rPr lang="en-US" sz="3400">
-                            <a:latin typeface="Cambria Math" panose="02040503050406030204" pitchFamily="18" charset="0"/>
-                          </a:rPr>
-                          <m:t>)</m:t>
-                        </m:r>
-                      </m:e>
-                    </m:func>
-                  </m:oMath>
-                </a14:m>
-                <a:r>
-                  <a:rPr lang="en-US" sz="3400" dirty="0"/>
-                  <a:t>	</a:t>
-                </a:r>
-                <a14:m>
-                  <m:oMath xmlns:m="http://schemas.openxmlformats.org/officeDocument/2006/math">
-                    <m:func>
-                      <m:funcPr>
-                        <m:ctrlPr>
-                          <a:rPr lang="en-US" sz="3400" i="1">
-                            <a:latin typeface="Cambria Math" panose="02040503050406030204" pitchFamily="18" charset="0"/>
-                          </a:rPr>
-                        </m:ctrlPr>
-                      </m:funcPr>
-                      <m:fName>
-                        <m:sSub>
-                          <m:sSubPr>
-                            <m:ctrlPr>
-                              <a:rPr lang="en-US" sz="3400" i="1">
-                                <a:latin typeface="Cambria Math" panose="02040503050406030204" pitchFamily="18" charset="0"/>
-                              </a:rPr>
-                            </m:ctrlPr>
-                          </m:sSubPr>
-                          <m:e>
-                            <m:r>
-                              <m:rPr>
-                                <m:sty m:val="p"/>
-                              </m:rPr>
-                              <a:rPr lang="en-US" sz="3400">
-                                <a:latin typeface="Cambria Math" panose="02040503050406030204" pitchFamily="18" charset="0"/>
-                              </a:rPr>
-                              <m:t>log</m:t>
-                            </m:r>
-                          </m:e>
-                          <m:sub>
-                            <m:r>
-                              <m:rPr>
-                                <m:sty m:val="p"/>
-                              </m:rPr>
-                              <a:rPr lang="en-US" sz="3400">
-                                <a:latin typeface="Cambria Math" panose="02040503050406030204" pitchFamily="18" charset="0"/>
-                              </a:rPr>
-                              <m:t>a</m:t>
-                            </m:r>
-                          </m:sub>
-                        </m:sSub>
-                      </m:fName>
-                      <m:e>
-                        <m:r>
-                          <a:rPr lang="en-US" sz="3400">
-                            <a:latin typeface="Cambria Math" panose="02040503050406030204" pitchFamily="18" charset="0"/>
-                          </a:rPr>
-                          <m:t>(</m:t>
-                        </m:r>
-                        <m:r>
-                          <m:rPr>
-                            <m:sty m:val="p"/>
-                          </m:rPr>
-                          <a:rPr lang="en-US" sz="3400">
-                            <a:latin typeface="Cambria Math" panose="02040503050406030204" pitchFamily="18" charset="0"/>
-                          </a:rPr>
-                          <m:t>u</m:t>
-                        </m:r>
-                        <m:r>
-                          <a:rPr lang="en-US" sz="3400">
-                            <a:latin typeface="Cambria Math" panose="02040503050406030204" pitchFamily="18" charset="0"/>
-                          </a:rPr>
-                          <m:t>/</m:t>
-                        </m:r>
-                        <m:r>
-                          <m:rPr>
-                            <m:sty m:val="p"/>
-                          </m:rPr>
-                          <a:rPr lang="en-US" sz="3400">
-                            <a:latin typeface="Cambria Math" panose="02040503050406030204" pitchFamily="18" charset="0"/>
-                          </a:rPr>
-                          <m:t>v</m:t>
-                        </m:r>
-                        <m:r>
-                          <a:rPr lang="en-US" sz="3400">
-                            <a:latin typeface="Cambria Math" panose="02040503050406030204" pitchFamily="18" charset="0"/>
-                          </a:rPr>
-                          <m:t>)</m:t>
-                        </m:r>
-                      </m:e>
-                    </m:func>
-                    <m:r>
-                      <a:rPr lang="en-US" sz="3400" i="1">
-                        <a:latin typeface="Cambria Math" panose="02040503050406030204" pitchFamily="18" charset="0"/>
-                      </a:rPr>
-                      <m:t>=</m:t>
-                    </m:r>
-                    <m:func>
-                      <m:funcPr>
-                        <m:ctrlPr>
-                          <a:rPr lang="en-US" sz="3400" i="1">
-                            <a:latin typeface="Cambria Math" panose="02040503050406030204" pitchFamily="18" charset="0"/>
-                          </a:rPr>
-                        </m:ctrlPr>
-                      </m:funcPr>
-                      <m:fName>
-                        <m:sSub>
-                          <m:sSubPr>
-                            <m:ctrlPr>
-                              <a:rPr lang="en-US" sz="3400" i="1">
-                                <a:latin typeface="Cambria Math" panose="02040503050406030204" pitchFamily="18" charset="0"/>
-                              </a:rPr>
-                            </m:ctrlPr>
-                          </m:sSubPr>
-                          <m:e>
-                            <m:r>
-                              <m:rPr>
-                                <m:sty m:val="p"/>
-                              </m:rPr>
-                              <a:rPr lang="en-US" sz="3400">
-                                <a:latin typeface="Cambria Math" panose="02040503050406030204" pitchFamily="18" charset="0"/>
-                              </a:rPr>
-                              <m:t>log</m:t>
-                            </m:r>
-                          </m:e>
-                          <m:sub>
-                            <m:r>
-                              <m:rPr>
-                                <m:sty m:val="p"/>
-                              </m:rPr>
-                              <a:rPr lang="en-US" sz="3400">
-                                <a:latin typeface="Cambria Math" panose="02040503050406030204" pitchFamily="18" charset="0"/>
-                              </a:rPr>
-                              <m:t>a</m:t>
-                            </m:r>
-                          </m:sub>
-                        </m:sSub>
-                      </m:fName>
-                      <m:e>
-                        <m:r>
-                          <a:rPr lang="en-US" sz="3400">
-                            <a:latin typeface="Cambria Math" panose="02040503050406030204" pitchFamily="18" charset="0"/>
-                          </a:rPr>
-                          <m:t>(</m:t>
-                        </m:r>
-                        <m:r>
-                          <m:rPr>
-                            <m:sty m:val="p"/>
-                          </m:rPr>
-                          <a:rPr lang="en-US" sz="3400">
-                            <a:latin typeface="Cambria Math" panose="02040503050406030204" pitchFamily="18" charset="0"/>
-                          </a:rPr>
-                          <m:t>u</m:t>
-                        </m:r>
-                        <m:r>
-                          <a:rPr lang="en-US" sz="3400">
-                            <a:latin typeface="Cambria Math" panose="02040503050406030204" pitchFamily="18" charset="0"/>
-                          </a:rPr>
-                          <m:t>)</m:t>
-                        </m:r>
-                      </m:e>
-                    </m:func>
-                    <m:r>
-                      <a:rPr lang="en-US" sz="3400" i="1">
-                        <a:latin typeface="Cambria Math" panose="02040503050406030204" pitchFamily="18" charset="0"/>
-                      </a:rPr>
-                      <m:t>−</m:t>
-                    </m:r>
-                    <m:func>
-                      <m:funcPr>
-                        <m:ctrlPr>
-                          <a:rPr lang="en-US" sz="3400" i="1">
-                            <a:latin typeface="Cambria Math" panose="02040503050406030204" pitchFamily="18" charset="0"/>
-                          </a:rPr>
-                        </m:ctrlPr>
-                      </m:funcPr>
-                      <m:fName>
-                        <m:sSub>
-                          <m:sSubPr>
-                            <m:ctrlPr>
-                              <a:rPr lang="en-US" sz="3400" i="1">
-                                <a:latin typeface="Cambria Math" panose="02040503050406030204" pitchFamily="18" charset="0"/>
-                              </a:rPr>
-                            </m:ctrlPr>
-                          </m:sSubPr>
-                          <m:e>
-                            <m:r>
-                              <m:rPr>
-                                <m:sty m:val="p"/>
-                              </m:rPr>
-                              <a:rPr lang="en-US" sz="3400">
-                                <a:latin typeface="Cambria Math" panose="02040503050406030204" pitchFamily="18" charset="0"/>
-                              </a:rPr>
-                              <m:t>log</m:t>
-                            </m:r>
-                          </m:e>
-                          <m:sub>
-                            <m:r>
-                              <m:rPr>
-                                <m:sty m:val="p"/>
-                              </m:rPr>
-                              <a:rPr lang="en-US" sz="3400">
-                                <a:latin typeface="Cambria Math" panose="02040503050406030204" pitchFamily="18" charset="0"/>
-                              </a:rPr>
-                              <m:t>a</m:t>
-                            </m:r>
-                          </m:sub>
-                        </m:sSub>
-                      </m:fName>
-                      <m:e>
-                        <m:r>
-                          <a:rPr lang="en-US" sz="3400">
-                            <a:latin typeface="Cambria Math" panose="02040503050406030204" pitchFamily="18" charset="0"/>
-                          </a:rPr>
-                          <m:t>(</m:t>
-                        </m:r>
-                        <m:r>
-                          <m:rPr>
-                            <m:sty m:val="p"/>
-                          </m:rPr>
-                          <a:rPr lang="en-US" sz="3400">
-                            <a:latin typeface="Cambria Math" panose="02040503050406030204" pitchFamily="18" charset="0"/>
-                          </a:rPr>
-                          <m:t>v</m:t>
-                        </m:r>
-                        <m:r>
-                          <a:rPr lang="en-US" sz="3400">
-                            <a:latin typeface="Cambria Math" panose="02040503050406030204" pitchFamily="18" charset="0"/>
-                          </a:rPr>
-                          <m:t>)</m:t>
-                        </m:r>
-                      </m:e>
-                    </m:func>
-                  </m:oMath>
-                </a14:m>
-                <a:r>
-                  <a:rPr lang="en-US" sz="3400" dirty="0"/>
-                  <a:t>	</a:t>
-                </a:r>
-                <a:endParaRPr lang="en-US" sz="3400" dirty="0" smtClean="0"/>
-              </a:p>
-              <a:p>
-                <a:pPr marL="0" indent="0">
-                  <a:buNone/>
-                </a:pPr>
-                <a:endParaRPr lang="en-US" sz="3400" dirty="0"/>
-              </a:p>
-              <a:p>
-                <a:pPr marL="0" indent="0">
-                  <a:buNone/>
-                </a:pPr>
-                <a:r>
-                  <a:rPr lang="en-US" sz="3400" b="1" u="sng" dirty="0"/>
-                  <a:t>Power </a:t>
-                </a:r>
-                <a:r>
-                  <a:rPr lang="en-US" sz="3400" b="1" u="sng" dirty="0" smtClean="0"/>
-                  <a:t>Property</a:t>
-                </a:r>
-                <a:r>
-                  <a:rPr lang="en-US" sz="3400" dirty="0"/>
-                  <a:t>	</a:t>
-                </a:r>
-                <a:r>
-                  <a:rPr lang="en-US" sz="3400" dirty="0" smtClean="0"/>
-                  <a:t>			</a:t>
-                </a:r>
-                <a:r>
-                  <a:rPr lang="en-US" sz="3400" b="1" u="sng" dirty="0" smtClean="0"/>
-                  <a:t>Rewrite: </a:t>
-                </a:r>
-                <a:endParaRPr lang="en-US" sz="3400" dirty="0"/>
-              </a:p>
-              <a:p>
-                <a:pPr marL="0" indent="0">
-                  <a:buNone/>
-                </a:pPr>
-                <a14:m>
-                  <m:oMath xmlns:m="http://schemas.openxmlformats.org/officeDocument/2006/math">
-                    <m:func>
-                      <m:funcPr>
-                        <m:ctrlPr>
-                          <a:rPr lang="en-US" sz="3400" i="1">
-                            <a:latin typeface="Cambria Math" panose="02040503050406030204" pitchFamily="18" charset="0"/>
-                          </a:rPr>
-                        </m:ctrlPr>
-                      </m:funcPr>
-                      <m:fName>
-                        <m:sSub>
-                          <m:sSubPr>
-                            <m:ctrlPr>
-                              <a:rPr lang="en-US" sz="3400" i="1">
-                                <a:latin typeface="Cambria Math" panose="02040503050406030204" pitchFamily="18" charset="0"/>
-                              </a:rPr>
-                            </m:ctrlPr>
-                          </m:sSubPr>
-                          <m:e>
-                            <m:r>
-                              <m:rPr>
-                                <m:sty m:val="p"/>
-                              </m:rPr>
-                              <a:rPr lang="en-US" sz="3400">
-                                <a:latin typeface="Cambria Math" panose="02040503050406030204" pitchFamily="18" charset="0"/>
-                              </a:rPr>
-                              <m:t>log</m:t>
-                            </m:r>
-                          </m:e>
-                          <m:sub>
-                            <m:r>
-                              <m:rPr>
-                                <m:sty m:val="p"/>
-                              </m:rPr>
-                              <a:rPr lang="en-US" sz="3400">
-                                <a:latin typeface="Cambria Math" panose="02040503050406030204" pitchFamily="18" charset="0"/>
-                              </a:rPr>
-                              <m:t>a</m:t>
-                            </m:r>
-                          </m:sub>
-                        </m:sSub>
-                      </m:fName>
-                      <m:e>
-                        <m:sSup>
-                          <m:sSupPr>
-                            <m:ctrlPr>
-                              <a:rPr lang="en-US" sz="3400" i="1">
-                                <a:latin typeface="Cambria Math" panose="02040503050406030204" pitchFamily="18" charset="0"/>
-                              </a:rPr>
-                            </m:ctrlPr>
-                          </m:sSupPr>
-                          <m:e>
-                            <m:r>
-                              <a:rPr lang="en-US" sz="3400" i="1">
-                                <a:latin typeface="Cambria Math" panose="02040503050406030204" pitchFamily="18" charset="0"/>
-                              </a:rPr>
-                              <m:t>𝑢</m:t>
-                            </m:r>
-                          </m:e>
-                          <m:sup>
-                            <m:r>
-                              <a:rPr lang="en-US" sz="3400" i="1">
-                                <a:latin typeface="Cambria Math" panose="02040503050406030204" pitchFamily="18" charset="0"/>
-                              </a:rPr>
-                              <m:t>𝑛</m:t>
-                            </m:r>
-                          </m:sup>
-                        </m:sSup>
-                      </m:e>
-                    </m:func>
-                    <m:r>
-                      <a:rPr lang="en-US" sz="3400" i="1">
-                        <a:latin typeface="Cambria Math" panose="02040503050406030204" pitchFamily="18" charset="0"/>
-                      </a:rPr>
-                      <m:t>=</m:t>
-                    </m:r>
-                    <m:func>
-                      <m:funcPr>
-                        <m:ctrlPr>
-                          <a:rPr lang="en-US" sz="3400" i="1">
-                            <a:latin typeface="Cambria Math" panose="02040503050406030204" pitchFamily="18" charset="0"/>
-                          </a:rPr>
-                        </m:ctrlPr>
-                      </m:funcPr>
-                      <m:fName>
-                        <m:sSub>
-                          <m:sSubPr>
-                            <m:ctrlPr>
-                              <a:rPr lang="en-US" sz="3400" i="1">
-                                <a:latin typeface="Cambria Math" panose="02040503050406030204" pitchFamily="18" charset="0"/>
-                              </a:rPr>
-                            </m:ctrlPr>
-                          </m:sSubPr>
-                          <m:e>
-                            <m:r>
-                              <m:rPr>
-                                <m:sty m:val="p"/>
-                              </m:rPr>
-                              <a:rPr lang="en-US" sz="3400">
-                                <a:latin typeface="Cambria Math" panose="02040503050406030204" pitchFamily="18" charset="0"/>
-                              </a:rPr>
-                              <m:t>n</m:t>
-                            </m:r>
-                            <m:r>
-                              <a:rPr lang="en-US" sz="3400">
-                                <a:latin typeface="Cambria Math" panose="02040503050406030204" pitchFamily="18" charset="0"/>
-                              </a:rPr>
-                              <m:t> </m:t>
-                            </m:r>
-                            <m:r>
-                              <m:rPr>
-                                <m:sty m:val="p"/>
-                              </m:rPr>
-                              <a:rPr lang="en-US" sz="3400">
-                                <a:latin typeface="Cambria Math" panose="02040503050406030204" pitchFamily="18" charset="0"/>
-                              </a:rPr>
-                              <m:t>log</m:t>
-                            </m:r>
-                          </m:e>
-                          <m:sub>
-                            <m:r>
-                              <m:rPr>
-                                <m:sty m:val="p"/>
-                              </m:rPr>
-                              <a:rPr lang="en-US" sz="3400">
-                                <a:latin typeface="Cambria Math" panose="02040503050406030204" pitchFamily="18" charset="0"/>
-                              </a:rPr>
-                              <m:t>a</m:t>
-                            </m:r>
-                          </m:sub>
-                        </m:sSub>
-                      </m:fName>
-                      <m:e>
-                        <m:r>
-                          <a:rPr lang="en-US" sz="3400">
-                            <a:latin typeface="Cambria Math" panose="02040503050406030204" pitchFamily="18" charset="0"/>
-                          </a:rPr>
-                          <m:t>(</m:t>
-                        </m:r>
-                        <m:r>
-                          <m:rPr>
-                            <m:sty m:val="p"/>
-                          </m:rPr>
-                          <a:rPr lang="en-US" sz="3400">
-                            <a:latin typeface="Cambria Math" panose="02040503050406030204" pitchFamily="18" charset="0"/>
-                          </a:rPr>
-                          <m:t>u</m:t>
-                        </m:r>
-                        <m:r>
-                          <a:rPr lang="en-US" sz="3400">
-                            <a:latin typeface="Cambria Math" panose="02040503050406030204" pitchFamily="18" charset="0"/>
-                          </a:rPr>
-                          <m:t>)</m:t>
-                        </m:r>
-                      </m:e>
-                    </m:func>
-                  </m:oMath>
-                </a14:m>
-                <a:r>
-                  <a:rPr lang="en-US" sz="3400" dirty="0" smtClean="0"/>
-                  <a:t>			</a:t>
-                </a:r>
-                <a14:m>
-                  <m:oMath xmlns:m="http://schemas.openxmlformats.org/officeDocument/2006/math">
-                    <m:func>
-                      <m:funcPr>
-                        <m:ctrlPr>
-                          <a:rPr lang="en-US" sz="3400" i="1">
-                            <a:latin typeface="Cambria Math" panose="02040503050406030204" pitchFamily="18" charset="0"/>
-                          </a:rPr>
-                        </m:ctrlPr>
-                      </m:funcPr>
-                      <m:fName>
-                        <m:sSub>
-                          <m:sSubPr>
-                            <m:ctrlPr>
-                              <a:rPr lang="en-US" sz="3400" i="1">
-                                <a:latin typeface="Cambria Math" panose="02040503050406030204" pitchFamily="18" charset="0"/>
-                              </a:rPr>
-                            </m:ctrlPr>
-                          </m:sSubPr>
-                          <m:e>
-                            <m:r>
-                              <m:rPr>
-                                <m:sty m:val="p"/>
-                              </m:rPr>
-                              <a:rPr lang="en-US" sz="3400">
-                                <a:latin typeface="Cambria Math" panose="02040503050406030204" pitchFamily="18" charset="0"/>
-                              </a:rPr>
-                              <m:t>log</m:t>
-                            </m:r>
-                          </m:e>
-                          <m:sub>
-                            <m:r>
-                              <m:rPr>
-                                <m:sty m:val="p"/>
-                              </m:rPr>
-                              <a:rPr lang="en-US" sz="3400" b="0" i="0" smtClean="0">
-                                <a:latin typeface="Cambria Math" panose="02040503050406030204" pitchFamily="18" charset="0"/>
-                              </a:rPr>
-                              <m:t>b</m:t>
-                            </m:r>
-                          </m:sub>
-                        </m:sSub>
-                      </m:fName>
-                      <m:e>
-                        <m:r>
-                          <a:rPr lang="en-US" sz="3400" b="0" i="1" smtClean="0">
-                            <a:latin typeface="Cambria Math" panose="02040503050406030204" pitchFamily="18" charset="0"/>
-                          </a:rPr>
-                          <m:t>𝑦</m:t>
-                        </m:r>
-                      </m:e>
-                    </m:func>
-                    <m:r>
-                      <a:rPr lang="en-US" sz="3400" b="0" i="1" smtClean="0">
-                        <a:latin typeface="Cambria Math" panose="02040503050406030204" pitchFamily="18" charset="0"/>
-                      </a:rPr>
-                      <m:t>=</m:t>
-                    </m:r>
-                    <m:r>
-                      <a:rPr lang="en-US" sz="3400" b="0" i="1" smtClean="0">
-                        <a:latin typeface="Cambria Math" panose="02040503050406030204" pitchFamily="18" charset="0"/>
-                      </a:rPr>
-                      <m:t>𝑥</m:t>
-                    </m:r>
-                    <m:r>
-                      <a:rPr lang="en-US" sz="3400" b="0" i="1" smtClean="0">
-                        <a:latin typeface="Cambria Math" panose="02040503050406030204" pitchFamily="18" charset="0"/>
-                      </a:rPr>
-                      <m:t>  &lt; = &gt; </m:t>
-                    </m:r>
-                    <m:sSup>
-                      <m:sSupPr>
-                        <m:ctrlPr>
-                          <a:rPr lang="en-US" sz="3400" i="1">
-                            <a:latin typeface="Cambria Math" panose="02040503050406030204" pitchFamily="18" charset="0"/>
-                          </a:rPr>
-                        </m:ctrlPr>
-                      </m:sSupPr>
-                      <m:e>
-                        <m:r>
-                          <a:rPr lang="en-US" sz="3400" b="0" i="1" smtClean="0">
-                            <a:latin typeface="Cambria Math" panose="02040503050406030204" pitchFamily="18" charset="0"/>
-                          </a:rPr>
-                          <m:t>𝑏</m:t>
-                        </m:r>
-                      </m:e>
-                      <m:sup>
-                        <m:r>
-                          <a:rPr lang="en-US" sz="3400" b="0" i="1" smtClean="0">
-                            <a:latin typeface="Cambria Math" panose="02040503050406030204" pitchFamily="18" charset="0"/>
-                          </a:rPr>
-                          <m:t>𝑥</m:t>
-                        </m:r>
-                      </m:sup>
-                    </m:sSup>
-                    <m:r>
-                      <a:rPr lang="en-US" sz="3400" b="0" i="1" smtClean="0">
-                        <a:latin typeface="Cambria Math" panose="02040503050406030204" pitchFamily="18" charset="0"/>
-                      </a:rPr>
-                      <m:t>=</m:t>
-                    </m:r>
-                    <m:r>
-                      <a:rPr lang="en-US" sz="3400" b="0" i="1" smtClean="0">
-                        <a:latin typeface="Cambria Math" panose="02040503050406030204" pitchFamily="18" charset="0"/>
-                      </a:rPr>
-                      <m:t>𝑦</m:t>
-                    </m:r>
-                  </m:oMath>
-                </a14:m>
-                <a:endParaRPr lang="en-US" sz="3400" dirty="0"/>
-              </a:p>
-            </p:txBody>
-          </p:sp>
-        </mc:Choice>
-        <mc:Fallback xmlns="">
-          <p:sp>
-            <p:nvSpPr>
-              <p:cNvPr id="3" name="Content Placeholder 2"/>
-              <p:cNvSpPr>
-                <a:spLocks noGrp="1" noRot="1" noChangeAspect="1" noMove="1" noResize="1" noEditPoints="1" noAdjustHandles="1" noChangeArrowheads="1" noChangeShapeType="1" noTextEdit="1"/>
-              </p:cNvSpPr>
-              <p:nvPr>
-                <p:ph idx="1"/>
-              </p:nvPr>
-            </p:nvSpPr>
-            <p:spPr>
-              <a:xfrm>
-                <a:off x="779489" y="1469037"/>
-                <a:ext cx="11412511" cy="5276538"/>
-              </a:xfrm>
-              <a:blipFill rotWithShape="0">
-                <a:blip r:embed="rId2"/>
-                <a:stretch>
-                  <a:fillRect l="-1335" t="-2079"/>
-                </a:stretch>
-              </a:blipFill>
-            </p:spPr>
-            <p:txBody>
-              <a:bodyPr/>
-              <a:lstStyle/>
-              <a:p>
-                <a:r>
-                  <a:rPr lang="en-US">
-                    <a:noFill/>
-                  </a:rPr>
-                  <a:t> </a:t>
-                </a:r>
-              </a:p>
-            </p:txBody>
-          </p:sp>
-        </mc:Fallback>
-      </mc:AlternateContent>
-    </p:spTree>
-    <p:extLst>
-      <p:ext uri="{BB962C8B-B14F-4D97-AF65-F5344CB8AC3E}">
-        <p14:creationId xmlns:p14="http://schemas.microsoft.com/office/powerpoint/2010/main" val="1864557590"/>
-      </p:ext>
-    </p:extLst>
-  </p:cSld>
-  <p:clrMapOvr>
-    <a:masterClrMapping/>
-  </p:clrMapOvr>
+  <p:timing>
+    <p:tnLst>
+      <p:par>
+        <p:cTn id="1" dur="indefinite" restart="never" nodeType="tmRoot"/>
+      </p:par>
+    </p:tnLst>
+  </p:timing>
 </p:sld>
 </file>
 
